--- a/revue de projet Quentin Dida-Juhel.pptx
+++ b/revue de projet Quentin Dida-Juhel.pptx
@@ -9,10 +9,12 @@
     <p:sldId id="257" r:id="rId3"/>
     <p:sldId id="258" r:id="rId4"/>
     <p:sldId id="259" r:id="rId5"/>
-    <p:sldId id="261" r:id="rId6"/>
-    <p:sldId id="260" r:id="rId7"/>
-    <p:sldId id="262" r:id="rId8"/>
-    <p:sldId id="263" r:id="rId9"/>
+    <p:sldId id="264" r:id="rId6"/>
+    <p:sldId id="265" r:id="rId7"/>
+    <p:sldId id="261" r:id="rId8"/>
+    <p:sldId id="260" r:id="rId9"/>
+    <p:sldId id="262" r:id="rId10"/>
+    <p:sldId id="263" r:id="rId11"/>
   </p:sldIdLst>
   <p:sldSz cx="12192000" cy="6858000"/>
   <p:notesSz cx="6858000" cy="9144000"/>
@@ -4395,7 +4397,7 @@
           <a:p>
             <a:fld id="{D4E90F3C-DA03-4783-9265-B1AEEE465DC7}" type="datetimeFigureOut">
               <a:rPr lang="fr-FR" smtClean="0"/>
-              <a:t>14/02/2024</a:t>
+              <a:t>16/02/2024</a:t>
             </a:fld>
             <a:endParaRPr lang="fr-FR"/>
           </a:p>
@@ -4662,7 +4664,7 @@
           <a:p>
             <a:fld id="{D4E90F3C-DA03-4783-9265-B1AEEE465DC7}" type="datetimeFigureOut">
               <a:rPr lang="fr-FR" smtClean="0"/>
-              <a:t>14/02/2024</a:t>
+              <a:t>16/02/2024</a:t>
             </a:fld>
             <a:endParaRPr lang="fr-FR"/>
           </a:p>
@@ -4858,7 +4860,7 @@
           <a:p>
             <a:fld id="{D4E90F3C-DA03-4783-9265-B1AEEE465DC7}" type="datetimeFigureOut">
               <a:rPr lang="fr-FR" smtClean="0"/>
-              <a:t>14/02/2024</a:t>
+              <a:t>16/02/2024</a:t>
             </a:fld>
             <a:endParaRPr lang="fr-FR"/>
           </a:p>
@@ -5121,7 +5123,7 @@
           <a:p>
             <a:fld id="{D4E90F3C-DA03-4783-9265-B1AEEE465DC7}" type="datetimeFigureOut">
               <a:rPr lang="fr-FR" smtClean="0"/>
-              <a:t>14/02/2024</a:t>
+              <a:t>16/02/2024</a:t>
             </a:fld>
             <a:endParaRPr lang="fr-FR"/>
           </a:p>
@@ -5555,7 +5557,7 @@
           <a:p>
             <a:fld id="{D4E90F3C-DA03-4783-9265-B1AEEE465DC7}" type="datetimeFigureOut">
               <a:rPr lang="fr-FR" smtClean="0"/>
-              <a:t>14/02/2024</a:t>
+              <a:t>16/02/2024</a:t>
             </a:fld>
             <a:endParaRPr lang="fr-FR"/>
           </a:p>
@@ -6101,7 +6103,7 @@
           <a:p>
             <a:fld id="{D4E90F3C-DA03-4783-9265-B1AEEE465DC7}" type="datetimeFigureOut">
               <a:rPr lang="fr-FR" smtClean="0"/>
-              <a:t>14/02/2024</a:t>
+              <a:t>16/02/2024</a:t>
             </a:fld>
             <a:endParaRPr lang="fr-FR"/>
           </a:p>
@@ -6821,7 +6823,7 @@
           <a:p>
             <a:fld id="{D4E90F3C-DA03-4783-9265-B1AEEE465DC7}" type="datetimeFigureOut">
               <a:rPr lang="fr-FR" smtClean="0"/>
-              <a:t>14/02/2024</a:t>
+              <a:t>16/02/2024</a:t>
             </a:fld>
             <a:endParaRPr lang="fr-FR"/>
           </a:p>
@@ -6991,7 +6993,7 @@
           <a:p>
             <a:fld id="{D4E90F3C-DA03-4783-9265-B1AEEE465DC7}" type="datetimeFigureOut">
               <a:rPr lang="fr-FR" smtClean="0"/>
-              <a:t>14/02/2024</a:t>
+              <a:t>16/02/2024</a:t>
             </a:fld>
             <a:endParaRPr lang="fr-FR"/>
           </a:p>
@@ -7171,7 +7173,7 @@
           <a:p>
             <a:fld id="{D4E90F3C-DA03-4783-9265-B1AEEE465DC7}" type="datetimeFigureOut">
               <a:rPr lang="fr-FR" smtClean="0"/>
-              <a:t>14/02/2024</a:t>
+              <a:t>16/02/2024</a:t>
             </a:fld>
             <a:endParaRPr lang="fr-FR"/>
           </a:p>
@@ -7341,7 +7343,7 @@
           <a:p>
             <a:fld id="{D4E90F3C-DA03-4783-9265-B1AEEE465DC7}" type="datetimeFigureOut">
               <a:rPr lang="fr-FR" smtClean="0"/>
-              <a:t>14/02/2024</a:t>
+              <a:t>16/02/2024</a:t>
             </a:fld>
             <a:endParaRPr lang="fr-FR"/>
           </a:p>
@@ -7591,7 +7593,7 @@
           <a:p>
             <a:fld id="{D4E90F3C-DA03-4783-9265-B1AEEE465DC7}" type="datetimeFigureOut">
               <a:rPr lang="fr-FR" smtClean="0"/>
-              <a:t>14/02/2024</a:t>
+              <a:t>16/02/2024</a:t>
             </a:fld>
             <a:endParaRPr lang="fr-FR"/>
           </a:p>
@@ -7823,7 +7825,7 @@
           <a:p>
             <a:fld id="{D4E90F3C-DA03-4783-9265-B1AEEE465DC7}" type="datetimeFigureOut">
               <a:rPr lang="fr-FR" smtClean="0"/>
-              <a:t>14/02/2024</a:t>
+              <a:t>16/02/2024</a:t>
             </a:fld>
             <a:endParaRPr lang="fr-FR"/>
           </a:p>
@@ -8204,7 +8206,7 @@
           <a:p>
             <a:fld id="{D4E90F3C-DA03-4783-9265-B1AEEE465DC7}" type="datetimeFigureOut">
               <a:rPr lang="fr-FR" smtClean="0"/>
-              <a:t>14/02/2024</a:t>
+              <a:t>16/02/2024</a:t>
             </a:fld>
             <a:endParaRPr lang="fr-FR"/>
           </a:p>
@@ -8322,7 +8324,7 @@
           <a:p>
             <a:fld id="{D4E90F3C-DA03-4783-9265-B1AEEE465DC7}" type="datetimeFigureOut">
               <a:rPr lang="fr-FR" smtClean="0"/>
-              <a:t>14/02/2024</a:t>
+              <a:t>16/02/2024</a:t>
             </a:fld>
             <a:endParaRPr lang="fr-FR"/>
           </a:p>
@@ -8417,7 +8419,7 @@
           <a:p>
             <a:fld id="{D4E90F3C-DA03-4783-9265-B1AEEE465DC7}" type="datetimeFigureOut">
               <a:rPr lang="fr-FR" smtClean="0"/>
-              <a:t>14/02/2024</a:t>
+              <a:t>16/02/2024</a:t>
             </a:fld>
             <a:endParaRPr lang="fr-FR"/>
           </a:p>
@@ -8666,7 +8668,7 @@
           <a:p>
             <a:fld id="{D4E90F3C-DA03-4783-9265-B1AEEE465DC7}" type="datetimeFigureOut">
               <a:rPr lang="fr-FR" smtClean="0"/>
-              <a:t>14/02/2024</a:t>
+              <a:t>16/02/2024</a:t>
             </a:fld>
             <a:endParaRPr lang="fr-FR"/>
           </a:p>
@@ -8946,7 +8948,7 @@
           <a:p>
             <a:fld id="{D4E90F3C-DA03-4783-9265-B1AEEE465DC7}" type="datetimeFigureOut">
               <a:rPr lang="fr-FR" smtClean="0"/>
-              <a:t>14/02/2024</a:t>
+              <a:t>16/02/2024</a:t>
             </a:fld>
             <a:endParaRPr lang="fr-FR"/>
           </a:p>
@@ -12023,7 +12025,7 @@
           <a:p>
             <a:fld id="{D4E90F3C-DA03-4783-9265-B1AEEE465DC7}" type="datetimeFigureOut">
               <a:rPr lang="fr-FR" smtClean="0"/>
-              <a:t>14/02/2024</a:t>
+              <a:t>16/02/2024</a:t>
             </a:fld>
             <a:endParaRPr lang="fr-FR"/>
           </a:p>
@@ -12510,6 +12512,101 @@
     <p:extLst>
       <p:ext uri="{BB962C8B-B14F-4D97-AF65-F5344CB8AC3E}">
         <p14:creationId xmlns:p14="http://schemas.microsoft.com/office/powerpoint/2010/main" val="3989187089"/>
+      </p:ext>
+    </p:extLst>
+  </p:cSld>
+  <p:clrMapOvr>
+    <a:masterClrMapping/>
+  </p:clrMapOvr>
+  <mc:AlternateContent xmlns:mc="http://schemas.openxmlformats.org/markup-compatibility/2006" xmlns:p14="http://schemas.microsoft.com/office/powerpoint/2010/main">
+    <mc:Choice Requires="p14">
+      <p:transition spd="slow" p14:dur="4000">
+        <p14:vortex dir="r"/>
+      </p:transition>
+    </mc:Choice>
+    <mc:Fallback xmlns="">
+      <p:transition spd="slow">
+        <p:fade/>
+      </p:transition>
+    </mc:Fallback>
+  </mc:AlternateContent>
+</p:sld>
+</file>
+
+<file path=ppt/slides/slide10.xml><?xml version="1.0" encoding="utf-8"?>
+<p:sld xmlns:a="http://schemas.openxmlformats.org/drawingml/2006/main" xmlns:r="http://schemas.openxmlformats.org/officeDocument/2006/relationships" xmlns:p="http://schemas.openxmlformats.org/presentationml/2006/main">
+  <p:cSld>
+    <p:spTree>
+      <p:nvGrpSpPr>
+        <p:cNvPr id="1" name=""/>
+        <p:cNvGrpSpPr/>
+        <p:nvPr/>
+      </p:nvGrpSpPr>
+      <p:grpSpPr>
+        <a:xfrm>
+          <a:off x="0" y="0"/>
+          <a:ext cx="0" cy="0"/>
+          <a:chOff x="0" y="0"/>
+          <a:chExt cx="0" cy="0"/>
+        </a:xfrm>
+      </p:grpSpPr>
+      <p:sp>
+        <p:nvSpPr>
+          <p:cNvPr id="2" name="Titre 1">
+            <a:extLst>
+              <a:ext uri="{FF2B5EF4-FFF2-40B4-BE49-F238E27FC236}">
+                <a16:creationId xmlns:a16="http://schemas.microsoft.com/office/drawing/2014/main" id="{F6991B39-A8A0-C2CB-E062-58BC9204CB9B}"/>
+              </a:ext>
+            </a:extLst>
+          </p:cNvPr>
+          <p:cNvSpPr>
+            <a:spLocks noGrp="1"/>
+          </p:cNvSpPr>
+          <p:nvPr>
+            <p:ph type="title"/>
+          </p:nvPr>
+        </p:nvSpPr>
+        <p:spPr/>
+        <p:txBody>
+          <a:bodyPr/>
+          <a:lstStyle/>
+          <a:p>
+            <a:r>
+              <a:rPr lang="fr-FR" dirty="0"/>
+              <a:t>Conclusion :</a:t>
+            </a:r>
+          </a:p>
+        </p:txBody>
+      </p:sp>
+      <p:sp>
+        <p:nvSpPr>
+          <p:cNvPr id="3" name="Espace réservé du contenu 2">
+            <a:extLst>
+              <a:ext uri="{FF2B5EF4-FFF2-40B4-BE49-F238E27FC236}">
+                <a16:creationId xmlns:a16="http://schemas.microsoft.com/office/drawing/2014/main" id="{EC037D9C-410D-8F09-D2D8-842EAF7EFE10}"/>
+              </a:ext>
+            </a:extLst>
+          </p:cNvPr>
+          <p:cNvSpPr>
+            <a:spLocks noGrp="1"/>
+          </p:cNvSpPr>
+          <p:nvPr>
+            <p:ph idx="1"/>
+          </p:nvPr>
+        </p:nvSpPr>
+        <p:spPr/>
+        <p:txBody>
+          <a:bodyPr/>
+          <a:lstStyle/>
+          <a:p>
+            <a:endParaRPr lang="fr-FR"/>
+          </a:p>
+        </p:txBody>
+      </p:sp>
+    </p:spTree>
+    <p:extLst>
+      <p:ext uri="{BB962C8B-B14F-4D97-AF65-F5344CB8AC3E}">
+        <p14:creationId xmlns:p14="http://schemas.microsoft.com/office/powerpoint/2010/main" val="4132934721"/>
       </p:ext>
     </p:extLst>
   </p:cSld>
@@ -13138,10 +13235,10 @@
       </p:sp>
       <p:pic>
         <p:nvPicPr>
-          <p:cNvPr id="7" name="Espace réservé du contenu 6" descr="Une image contenant texte, capture d’écran, diagramme, Rectangle&#10;&#10;Description générée automatiquement">
+          <p:cNvPr id="6" name="Espace réservé du contenu 5" descr="Une image contenant texte, capture d’écran, logiciel, Rectangle&#10;&#10;Description générée automatiquement">
             <a:extLst>
               <a:ext uri="{FF2B5EF4-FFF2-40B4-BE49-F238E27FC236}">
-                <a16:creationId xmlns:a16="http://schemas.microsoft.com/office/drawing/2014/main" id="{BDF7E2CC-4816-2B49-2742-033F1DD2D566}"/>
+                <a16:creationId xmlns:a16="http://schemas.microsoft.com/office/drawing/2014/main" id="{9D7A8ABB-027F-A38F-E343-A5F89D599441}"/>
               </a:ext>
             </a:extLst>
           </p:cNvPr>
@@ -13166,8 +13263,8 @@
         </p:blipFill>
         <p:spPr>
           <a:xfrm>
-            <a:off x="1705348" y="1681539"/>
-            <a:ext cx="8778128" cy="4942890"/>
+            <a:off x="1869937" y="1791882"/>
+            <a:ext cx="8452125" cy="4782472"/>
           </a:xfrm>
         </p:spPr>
       </p:pic>
@@ -13193,10 +13290,537 @@
       </p:transition>
     </mc:Fallback>
   </mc:AlternateContent>
+  <p:timing>
+    <p:tnLst>
+      <p:par>
+        <p:cTn id="1" dur="indefinite" restart="never" nodeType="tmRoot">
+          <p:childTnLst>
+            <p:seq concurrent="1" nextAc="seek">
+              <p:cTn id="2" dur="indefinite" nodeType="mainSeq">
+                <p:childTnLst>
+                  <p:par>
+                    <p:cTn id="3" fill="hold">
+                      <p:stCondLst>
+                        <p:cond delay="indefinite"/>
+                      </p:stCondLst>
+                      <p:childTnLst>
+                        <p:par>
+                          <p:cTn id="4" fill="hold">
+                            <p:stCondLst>
+                              <p:cond delay="0"/>
+                            </p:stCondLst>
+                            <p:childTnLst>
+                              <p:par>
+                                <p:cTn id="5" presetID="1" presetClass="entr" presetSubtype="0" fill="hold" nodeType="clickEffect">
+                                  <p:stCondLst>
+                                    <p:cond delay="0"/>
+                                  </p:stCondLst>
+                                  <p:childTnLst>
+                                    <p:set>
+                                      <p:cBhvr>
+                                        <p:cTn id="6" dur="1" fill="hold">
+                                          <p:stCondLst>
+                                            <p:cond delay="0"/>
+                                          </p:stCondLst>
+                                        </p:cTn>
+                                        <p:tgtEl>
+                                          <p:spTgt spid="6"/>
+                                        </p:tgtEl>
+                                        <p:attrNameLst>
+                                          <p:attrName>style.visibility</p:attrName>
+                                        </p:attrNameLst>
+                                      </p:cBhvr>
+                                      <p:to>
+                                        <p:strVal val="visible"/>
+                                      </p:to>
+                                    </p:set>
+                                  </p:childTnLst>
+                                </p:cTn>
+                              </p:par>
+                            </p:childTnLst>
+                          </p:cTn>
+                        </p:par>
+                      </p:childTnLst>
+                    </p:cTn>
+                  </p:par>
+                </p:childTnLst>
+              </p:cTn>
+              <p:prevCondLst>
+                <p:cond evt="onPrev" delay="0">
+                  <p:tgtEl>
+                    <p:sldTgt/>
+                  </p:tgtEl>
+                </p:cond>
+              </p:prevCondLst>
+              <p:nextCondLst>
+                <p:cond evt="onNext" delay="0">
+                  <p:tgtEl>
+                    <p:sldTgt/>
+                  </p:tgtEl>
+                </p:cond>
+              </p:nextCondLst>
+            </p:seq>
+          </p:childTnLst>
+        </p:cTn>
+      </p:par>
+    </p:tnLst>
+  </p:timing>
 </p:sld>
 </file>
 
 <file path=ppt/slides/slide5.xml><?xml version="1.0" encoding="utf-8"?>
+<p:sld xmlns:a="http://schemas.openxmlformats.org/drawingml/2006/main" xmlns:r="http://schemas.openxmlformats.org/officeDocument/2006/relationships" xmlns:p="http://schemas.openxmlformats.org/presentationml/2006/main">
+  <p:cSld>
+    <p:spTree>
+      <p:nvGrpSpPr>
+        <p:cNvPr id="1" name=""/>
+        <p:cNvGrpSpPr/>
+        <p:nvPr/>
+      </p:nvGrpSpPr>
+      <p:grpSpPr>
+        <a:xfrm>
+          <a:off x="0" y="0"/>
+          <a:ext cx="0" cy="0"/>
+          <a:chOff x="0" y="0"/>
+          <a:chExt cx="0" cy="0"/>
+        </a:xfrm>
+      </p:grpSpPr>
+      <p:sp>
+        <p:nvSpPr>
+          <p:cNvPr id="2" name="Titre 1">
+            <a:extLst>
+              <a:ext uri="{FF2B5EF4-FFF2-40B4-BE49-F238E27FC236}">
+                <a16:creationId xmlns:a16="http://schemas.microsoft.com/office/drawing/2014/main" id="{CF882BE2-2850-3352-97B7-DB2F41190145}"/>
+              </a:ext>
+            </a:extLst>
+          </p:cNvPr>
+          <p:cNvSpPr>
+            <a:spLocks noGrp="1"/>
+          </p:cNvSpPr>
+          <p:nvPr>
+            <p:ph type="title"/>
+          </p:nvPr>
+        </p:nvSpPr>
+        <p:spPr/>
+        <p:txBody>
+          <a:bodyPr/>
+          <a:lstStyle/>
+          <a:p>
+            <a:endParaRPr lang="fr-FR"/>
+          </a:p>
+        </p:txBody>
+      </p:sp>
+      <p:pic>
+        <p:nvPicPr>
+          <p:cNvPr id="5" name="Espace réservé du contenu 4" descr="Une image contenant capture d’écran&#10;&#10;Description générée automatiquement">
+            <a:extLst>
+              <a:ext uri="{FF2B5EF4-FFF2-40B4-BE49-F238E27FC236}">
+                <a16:creationId xmlns:a16="http://schemas.microsoft.com/office/drawing/2014/main" id="{B0F59CD2-67BE-E6F5-E87C-174AFB430A11}"/>
+              </a:ext>
+            </a:extLst>
+          </p:cNvPr>
+          <p:cNvPicPr>
+            <a:picLocks noGrp="1" noChangeAspect="1"/>
+          </p:cNvPicPr>
+          <p:nvPr>
+            <p:ph idx="1"/>
+          </p:nvPr>
+        </p:nvPicPr>
+        <p:blipFill>
+          <a:blip r:embed="rId2">
+            <a:extLst>
+              <a:ext uri="{28A0092B-C50C-407E-A947-70E740481C1C}">
+                <a14:useLocalDpi xmlns:a14="http://schemas.microsoft.com/office/drawing/2010/main" val="0"/>
+              </a:ext>
+            </a:extLst>
+          </a:blip>
+          <a:stretch>
+            <a:fillRect/>
+          </a:stretch>
+        </p:blipFill>
+        <p:spPr>
+          <a:xfrm>
+            <a:off x="1004985" y="938160"/>
+            <a:ext cx="10178853" cy="4981679"/>
+          </a:xfrm>
+        </p:spPr>
+      </p:pic>
+      <p:sp>
+        <p:nvSpPr>
+          <p:cNvPr id="6" name="Ellipse 5">
+            <a:extLst>
+              <a:ext uri="{FF2B5EF4-FFF2-40B4-BE49-F238E27FC236}">
+                <a16:creationId xmlns:a16="http://schemas.microsoft.com/office/drawing/2014/main" id="{4B3DEF66-F1FD-39FB-52B9-3F958D8A5F30}"/>
+              </a:ext>
+            </a:extLst>
+          </p:cNvPr>
+          <p:cNvSpPr/>
+          <p:nvPr/>
+        </p:nvSpPr>
+        <p:spPr>
+          <a:xfrm rot="18611207">
+            <a:off x="2094803" y="729412"/>
+            <a:ext cx="4813539" cy="3364814"/>
+          </a:xfrm>
+          <a:prstGeom prst="ellipse">
+            <a:avLst/>
+          </a:prstGeom>
+          <a:noFill/>
+          <a:ln w="57150">
+            <a:solidFill>
+              <a:srgbClr val="C00000"/>
+            </a:solidFill>
+          </a:ln>
+        </p:spPr>
+        <p:style>
+          <a:lnRef idx="2">
+            <a:schemeClr val="accent1">
+              <a:shade val="15000"/>
+            </a:schemeClr>
+          </a:lnRef>
+          <a:fillRef idx="1">
+            <a:schemeClr val="accent1"/>
+          </a:fillRef>
+          <a:effectRef idx="0">
+            <a:schemeClr val="accent1"/>
+          </a:effectRef>
+          <a:fontRef idx="minor">
+            <a:schemeClr val="lt1"/>
+          </a:fontRef>
+        </p:style>
+        <p:txBody>
+          <a:bodyPr rtlCol="0" anchor="ctr"/>
+          <a:lstStyle/>
+          <a:p>
+            <a:pPr algn="ctr"/>
+            <a:endParaRPr lang="fr-FR"/>
+          </a:p>
+        </p:txBody>
+      </p:sp>
+    </p:spTree>
+    <p:extLst>
+      <p:ext uri="{BB962C8B-B14F-4D97-AF65-F5344CB8AC3E}">
+        <p14:creationId xmlns:p14="http://schemas.microsoft.com/office/powerpoint/2010/main" val="1107664328"/>
+      </p:ext>
+    </p:extLst>
+  </p:cSld>
+  <p:clrMapOvr>
+    <a:masterClrMapping/>
+  </p:clrMapOvr>
+  <mc:AlternateContent xmlns:mc="http://schemas.openxmlformats.org/markup-compatibility/2006" xmlns:p14="http://schemas.microsoft.com/office/powerpoint/2010/main">
+    <mc:Choice Requires="p14">
+      <p:transition spd="slow" p14:dur="4000">
+        <p14:vortex dir="r"/>
+      </p:transition>
+    </mc:Choice>
+    <mc:Fallback xmlns="">
+      <p:transition spd="slow">
+        <p:fade/>
+      </p:transition>
+    </mc:Fallback>
+  </mc:AlternateContent>
+  <p:timing>
+    <p:tnLst>
+      <p:par>
+        <p:cTn id="1" dur="indefinite" restart="never" nodeType="tmRoot">
+          <p:childTnLst>
+            <p:seq concurrent="1" nextAc="seek">
+              <p:cTn id="2" dur="indefinite" nodeType="mainSeq">
+                <p:childTnLst>
+                  <p:par>
+                    <p:cTn id="3" fill="hold">
+                      <p:stCondLst>
+                        <p:cond delay="indefinite"/>
+                      </p:stCondLst>
+                      <p:childTnLst>
+                        <p:par>
+                          <p:cTn id="4" fill="hold">
+                            <p:stCondLst>
+                              <p:cond delay="0"/>
+                            </p:stCondLst>
+                            <p:childTnLst>
+                              <p:par>
+                                <p:cTn id="5" presetID="1" presetClass="entr" presetSubtype="0" fill="hold" grpId="0" nodeType="clickEffect">
+                                  <p:stCondLst>
+                                    <p:cond delay="0"/>
+                                  </p:stCondLst>
+                                  <p:childTnLst>
+                                    <p:set>
+                                      <p:cBhvr>
+                                        <p:cTn id="6" dur="1" fill="hold">
+                                          <p:stCondLst>
+                                            <p:cond delay="0"/>
+                                          </p:stCondLst>
+                                        </p:cTn>
+                                        <p:tgtEl>
+                                          <p:spTgt spid="6"/>
+                                        </p:tgtEl>
+                                        <p:attrNameLst>
+                                          <p:attrName>style.visibility</p:attrName>
+                                        </p:attrNameLst>
+                                      </p:cBhvr>
+                                      <p:to>
+                                        <p:strVal val="visible"/>
+                                      </p:to>
+                                    </p:set>
+                                  </p:childTnLst>
+                                </p:cTn>
+                              </p:par>
+                            </p:childTnLst>
+                          </p:cTn>
+                        </p:par>
+                      </p:childTnLst>
+                    </p:cTn>
+                  </p:par>
+                </p:childTnLst>
+              </p:cTn>
+              <p:prevCondLst>
+                <p:cond evt="onPrev" delay="0">
+                  <p:tgtEl>
+                    <p:sldTgt/>
+                  </p:tgtEl>
+                </p:cond>
+              </p:prevCondLst>
+              <p:nextCondLst>
+                <p:cond evt="onNext" delay="0">
+                  <p:tgtEl>
+                    <p:sldTgt/>
+                  </p:tgtEl>
+                </p:cond>
+              </p:nextCondLst>
+            </p:seq>
+          </p:childTnLst>
+        </p:cTn>
+      </p:par>
+    </p:tnLst>
+    <p:bldLst>
+      <p:bldP spid="6" grpId="0" animBg="1"/>
+    </p:bldLst>
+  </p:timing>
+</p:sld>
+</file>
+
+<file path=ppt/slides/slide6.xml><?xml version="1.0" encoding="utf-8"?>
+<p:sld xmlns:a="http://schemas.openxmlformats.org/drawingml/2006/main" xmlns:r="http://schemas.openxmlformats.org/officeDocument/2006/relationships" xmlns:p="http://schemas.openxmlformats.org/presentationml/2006/main">
+  <p:cSld>
+    <p:spTree>
+      <p:nvGrpSpPr>
+        <p:cNvPr id="1" name=""/>
+        <p:cNvGrpSpPr/>
+        <p:nvPr/>
+      </p:nvGrpSpPr>
+      <p:grpSpPr>
+        <a:xfrm>
+          <a:off x="0" y="0"/>
+          <a:ext cx="0" cy="0"/>
+          <a:chOff x="0" y="0"/>
+          <a:chExt cx="0" cy="0"/>
+        </a:xfrm>
+      </p:grpSpPr>
+      <p:sp>
+        <p:nvSpPr>
+          <p:cNvPr id="2" name="Titre 1">
+            <a:extLst>
+              <a:ext uri="{FF2B5EF4-FFF2-40B4-BE49-F238E27FC236}">
+                <a16:creationId xmlns:a16="http://schemas.microsoft.com/office/drawing/2014/main" id="{9B2343EC-8B0F-A235-1F18-8D0FCA1122FD}"/>
+              </a:ext>
+            </a:extLst>
+          </p:cNvPr>
+          <p:cNvSpPr>
+            <a:spLocks noGrp="1"/>
+          </p:cNvSpPr>
+          <p:nvPr>
+            <p:ph type="title"/>
+          </p:nvPr>
+        </p:nvSpPr>
+        <p:spPr/>
+        <p:txBody>
+          <a:bodyPr/>
+          <a:lstStyle/>
+          <a:p>
+            <a:endParaRPr lang="fr-FR"/>
+          </a:p>
+        </p:txBody>
+      </p:sp>
+      <p:pic>
+        <p:nvPicPr>
+          <p:cNvPr id="5" name="Espace réservé du contenu 4" descr="Une image contenant texte, diagramme, capture d’écran, cercle&#10;&#10;Description générée automatiquement">
+            <a:extLst>
+              <a:ext uri="{FF2B5EF4-FFF2-40B4-BE49-F238E27FC236}">
+                <a16:creationId xmlns:a16="http://schemas.microsoft.com/office/drawing/2014/main" id="{BFC6C834-C629-148C-0995-16A7A7CF76B3}"/>
+              </a:ext>
+            </a:extLst>
+          </p:cNvPr>
+          <p:cNvPicPr>
+            <a:picLocks noGrp="1" noChangeAspect="1"/>
+          </p:cNvPicPr>
+          <p:nvPr>
+            <p:ph idx="1"/>
+          </p:nvPr>
+        </p:nvPicPr>
+        <p:blipFill>
+          <a:blip r:embed="rId2">
+            <a:extLst>
+              <a:ext uri="{28A0092B-C50C-407E-A947-70E740481C1C}">
+                <a14:useLocalDpi xmlns:a14="http://schemas.microsoft.com/office/drawing/2010/main" val="0"/>
+              </a:ext>
+            </a:extLst>
+          </a:blip>
+          <a:stretch>
+            <a:fillRect/>
+          </a:stretch>
+        </p:blipFill>
+        <p:spPr>
+          <a:xfrm>
+            <a:off x="784855" y="766465"/>
+            <a:ext cx="10093055" cy="5325069"/>
+          </a:xfrm>
+        </p:spPr>
+      </p:pic>
+      <p:sp>
+        <p:nvSpPr>
+          <p:cNvPr id="6" name="Ellipse 5">
+            <a:extLst>
+              <a:ext uri="{FF2B5EF4-FFF2-40B4-BE49-F238E27FC236}">
+                <a16:creationId xmlns:a16="http://schemas.microsoft.com/office/drawing/2014/main" id="{BE59F1B7-0687-EF19-9196-EF9A9A9D8378}"/>
+              </a:ext>
+            </a:extLst>
+          </p:cNvPr>
+          <p:cNvSpPr/>
+          <p:nvPr/>
+        </p:nvSpPr>
+        <p:spPr>
+          <a:xfrm>
+            <a:off x="379561" y="3666227"/>
+            <a:ext cx="3950899" cy="1949570"/>
+          </a:xfrm>
+          <a:prstGeom prst="ellipse">
+            <a:avLst/>
+          </a:prstGeom>
+          <a:noFill/>
+          <a:ln w="57150">
+            <a:solidFill>
+              <a:srgbClr val="FF0000"/>
+            </a:solidFill>
+          </a:ln>
+        </p:spPr>
+        <p:style>
+          <a:lnRef idx="2">
+            <a:schemeClr val="accent1">
+              <a:shade val="15000"/>
+            </a:schemeClr>
+          </a:lnRef>
+          <a:fillRef idx="1">
+            <a:schemeClr val="accent1"/>
+          </a:fillRef>
+          <a:effectRef idx="0">
+            <a:schemeClr val="accent1"/>
+          </a:effectRef>
+          <a:fontRef idx="minor">
+            <a:schemeClr val="lt1"/>
+          </a:fontRef>
+        </p:style>
+        <p:txBody>
+          <a:bodyPr rtlCol="0" anchor="ctr"/>
+          <a:lstStyle/>
+          <a:p>
+            <a:pPr algn="ctr"/>
+            <a:endParaRPr lang="fr-FR"/>
+          </a:p>
+        </p:txBody>
+      </p:sp>
+    </p:spTree>
+    <p:extLst>
+      <p:ext uri="{BB962C8B-B14F-4D97-AF65-F5344CB8AC3E}">
+        <p14:creationId xmlns:p14="http://schemas.microsoft.com/office/powerpoint/2010/main" val="2874152999"/>
+      </p:ext>
+    </p:extLst>
+  </p:cSld>
+  <p:clrMapOvr>
+    <a:masterClrMapping/>
+  </p:clrMapOvr>
+  <p:timing>
+    <p:tnLst>
+      <p:par>
+        <p:cTn id="1" dur="indefinite" restart="never" nodeType="tmRoot">
+          <p:childTnLst>
+            <p:seq concurrent="1" nextAc="seek">
+              <p:cTn id="2" dur="indefinite" nodeType="mainSeq">
+                <p:childTnLst>
+                  <p:par>
+                    <p:cTn id="3" fill="hold">
+                      <p:stCondLst>
+                        <p:cond delay="indefinite"/>
+                      </p:stCondLst>
+                      <p:childTnLst>
+                        <p:par>
+                          <p:cTn id="4" fill="hold">
+                            <p:stCondLst>
+                              <p:cond delay="0"/>
+                            </p:stCondLst>
+                            <p:childTnLst>
+                              <p:par>
+                                <p:cTn id="5" presetID="1" presetClass="entr" presetSubtype="0" fill="hold" grpId="0" nodeType="clickEffect">
+                                  <p:stCondLst>
+                                    <p:cond delay="0"/>
+                                  </p:stCondLst>
+                                  <p:childTnLst>
+                                    <p:set>
+                                      <p:cBhvr>
+                                        <p:cTn id="6" dur="1" fill="hold">
+                                          <p:stCondLst>
+                                            <p:cond delay="0"/>
+                                          </p:stCondLst>
+                                        </p:cTn>
+                                        <p:tgtEl>
+                                          <p:spTgt spid="6"/>
+                                        </p:tgtEl>
+                                        <p:attrNameLst>
+                                          <p:attrName>style.visibility</p:attrName>
+                                        </p:attrNameLst>
+                                      </p:cBhvr>
+                                      <p:to>
+                                        <p:strVal val="visible"/>
+                                      </p:to>
+                                    </p:set>
+                                  </p:childTnLst>
+                                </p:cTn>
+                              </p:par>
+                            </p:childTnLst>
+                          </p:cTn>
+                        </p:par>
+                      </p:childTnLst>
+                    </p:cTn>
+                  </p:par>
+                </p:childTnLst>
+              </p:cTn>
+              <p:prevCondLst>
+                <p:cond evt="onPrev" delay="0">
+                  <p:tgtEl>
+                    <p:sldTgt/>
+                  </p:tgtEl>
+                </p:cond>
+              </p:prevCondLst>
+              <p:nextCondLst>
+                <p:cond evt="onNext" delay="0">
+                  <p:tgtEl>
+                    <p:sldTgt/>
+                  </p:tgtEl>
+                </p:cond>
+              </p:nextCondLst>
+            </p:seq>
+          </p:childTnLst>
+        </p:cTn>
+      </p:par>
+    </p:tnLst>
+    <p:bldLst>
+      <p:bldP spid="6" grpId="0" animBg="1"/>
+    </p:bldLst>
+  </p:timing>
+</p:sld>
+</file>
+
+<file path=ppt/slides/slide7.xml><?xml version="1.0" encoding="utf-8"?>
 <p:sld xmlns:a="http://schemas.openxmlformats.org/drawingml/2006/main" xmlns:r="http://schemas.openxmlformats.org/officeDocument/2006/relationships" xmlns:p="http://schemas.openxmlformats.org/presentationml/2006/main">
   <p:cSld>
     <p:spTree>
@@ -13384,7 +14008,7 @@
 </p:sld>
 </file>
 
-<file path=ppt/slides/slide6.xml><?xml version="1.0" encoding="utf-8"?>
+<file path=ppt/slides/slide8.xml><?xml version="1.0" encoding="utf-8"?>
 <p:sld xmlns:a="http://schemas.openxmlformats.org/drawingml/2006/main" xmlns:r="http://schemas.openxmlformats.org/officeDocument/2006/relationships" xmlns:p="http://schemas.openxmlformats.org/presentationml/2006/main">
   <p:cSld>
     <p:spTree>
@@ -13431,10 +14055,10 @@
       </p:sp>
       <p:pic>
         <p:nvPicPr>
-          <p:cNvPr id="5" name="Espace réservé du contenu 4" descr="Une image contenant Appareils électroniques, Ingénierie électronique, Composant électronique, Composant de circuit&#10;&#10;Description générée automatiquement">
+          <p:cNvPr id="7" name="Espace réservé du contenu 6" descr="Une image contenant Appareils électroniques, Ingénierie électronique, texte, câble&#10;&#10;Description générée automatiquement">
             <a:extLst>
               <a:ext uri="{FF2B5EF4-FFF2-40B4-BE49-F238E27FC236}">
-                <a16:creationId xmlns:a16="http://schemas.microsoft.com/office/drawing/2014/main" id="{A81A27DF-0210-5CC4-B645-EABA03DFBDB2}"/>
+                <a16:creationId xmlns:a16="http://schemas.microsoft.com/office/drawing/2014/main" id="{8040D55F-81B9-6F1C-49FC-C2D8584FE9B3}"/>
               </a:ext>
             </a:extLst>
           </p:cNvPr>
@@ -13459,8 +14083,8 @@
         </p:blipFill>
         <p:spPr>
           <a:xfrm>
-            <a:off x="2009804" y="1910612"/>
-            <a:ext cx="8169215" cy="4751482"/>
+            <a:off x="3480361" y="1645637"/>
+            <a:ext cx="5231277" cy="5074340"/>
           </a:xfrm>
         </p:spPr>
       </p:pic>
@@ -13486,85 +14110,10 @@
       </p:transition>
     </mc:Fallback>
   </mc:AlternateContent>
-  <p:timing>
-    <p:tnLst>
-      <p:par>
-        <p:cTn id="1" dur="indefinite" restart="never" nodeType="tmRoot">
-          <p:childTnLst>
-            <p:seq concurrent="1" nextAc="seek">
-              <p:cTn id="2" dur="indefinite" nodeType="mainSeq">
-                <p:childTnLst>
-                  <p:par>
-                    <p:cTn id="3" fill="hold">
-                      <p:stCondLst>
-                        <p:cond delay="indefinite"/>
-                      </p:stCondLst>
-                      <p:childTnLst>
-                        <p:par>
-                          <p:cTn id="4" fill="hold">
-                            <p:stCondLst>
-                              <p:cond delay="0"/>
-                            </p:stCondLst>
-                            <p:childTnLst>
-                              <p:par>
-                                <p:cTn id="5" presetID="1" presetClass="entr" presetSubtype="0" fill="hold" nodeType="clickEffect">
-                                  <p:stCondLst>
-                                    <p:cond delay="0"/>
-                                  </p:stCondLst>
-                                  <p:childTnLst>
-                                    <p:set>
-                                      <p:cBhvr>
-                                        <p:cTn id="6" dur="1" fill="hold">
-                                          <p:stCondLst>
-                                            <p:cond delay="0"/>
-                                          </p:stCondLst>
-                                        </p:cTn>
-                                        <p:tgtEl>
-                                          <p:spTgt spid="5"/>
-                                        </p:tgtEl>
-                                        <p:attrNameLst>
-                                          <p:attrName>style.visibility</p:attrName>
-                                        </p:attrNameLst>
-                                      </p:cBhvr>
-                                      <p:to>
-                                        <p:strVal val="visible"/>
-                                      </p:to>
-                                    </p:set>
-                                  </p:childTnLst>
-                                </p:cTn>
-                              </p:par>
-                            </p:childTnLst>
-                          </p:cTn>
-                        </p:par>
-                      </p:childTnLst>
-                    </p:cTn>
-                  </p:par>
-                </p:childTnLst>
-              </p:cTn>
-              <p:prevCondLst>
-                <p:cond evt="onPrev" delay="0">
-                  <p:tgtEl>
-                    <p:sldTgt/>
-                  </p:tgtEl>
-                </p:cond>
-              </p:prevCondLst>
-              <p:nextCondLst>
-                <p:cond evt="onNext" delay="0">
-                  <p:tgtEl>
-                    <p:sldTgt/>
-                  </p:tgtEl>
-                </p:cond>
-              </p:nextCondLst>
-            </p:seq>
-          </p:childTnLst>
-        </p:cTn>
-      </p:par>
-    </p:tnLst>
-  </p:timing>
 </p:sld>
 </file>
 
-<file path=ppt/slides/slide7.xml><?xml version="1.0" encoding="utf-8"?>
+<file path=ppt/slides/slide9.xml><?xml version="1.0" encoding="utf-8"?>
 <p:sld xmlns:a="http://schemas.openxmlformats.org/drawingml/2006/main" xmlns:r="http://schemas.openxmlformats.org/officeDocument/2006/relationships" xmlns:p="http://schemas.openxmlformats.org/presentationml/2006/main">
   <p:cSld>
     <p:spTree>
@@ -13645,101 +14194,6 @@
     <p:extLst>
       <p:ext uri="{BB962C8B-B14F-4D97-AF65-F5344CB8AC3E}">
         <p14:creationId xmlns:p14="http://schemas.microsoft.com/office/powerpoint/2010/main" val="372521682"/>
-      </p:ext>
-    </p:extLst>
-  </p:cSld>
-  <p:clrMapOvr>
-    <a:masterClrMapping/>
-  </p:clrMapOvr>
-  <mc:AlternateContent xmlns:mc="http://schemas.openxmlformats.org/markup-compatibility/2006" xmlns:p14="http://schemas.microsoft.com/office/powerpoint/2010/main">
-    <mc:Choice Requires="p14">
-      <p:transition spd="slow" p14:dur="4000">
-        <p14:vortex dir="r"/>
-      </p:transition>
-    </mc:Choice>
-    <mc:Fallback xmlns="">
-      <p:transition spd="slow">
-        <p:fade/>
-      </p:transition>
-    </mc:Fallback>
-  </mc:AlternateContent>
-</p:sld>
-</file>
-
-<file path=ppt/slides/slide8.xml><?xml version="1.0" encoding="utf-8"?>
-<p:sld xmlns:a="http://schemas.openxmlformats.org/drawingml/2006/main" xmlns:r="http://schemas.openxmlformats.org/officeDocument/2006/relationships" xmlns:p="http://schemas.openxmlformats.org/presentationml/2006/main">
-  <p:cSld>
-    <p:spTree>
-      <p:nvGrpSpPr>
-        <p:cNvPr id="1" name=""/>
-        <p:cNvGrpSpPr/>
-        <p:nvPr/>
-      </p:nvGrpSpPr>
-      <p:grpSpPr>
-        <a:xfrm>
-          <a:off x="0" y="0"/>
-          <a:ext cx="0" cy="0"/>
-          <a:chOff x="0" y="0"/>
-          <a:chExt cx="0" cy="0"/>
-        </a:xfrm>
-      </p:grpSpPr>
-      <p:sp>
-        <p:nvSpPr>
-          <p:cNvPr id="2" name="Titre 1">
-            <a:extLst>
-              <a:ext uri="{FF2B5EF4-FFF2-40B4-BE49-F238E27FC236}">
-                <a16:creationId xmlns:a16="http://schemas.microsoft.com/office/drawing/2014/main" id="{F6991B39-A8A0-C2CB-E062-58BC9204CB9B}"/>
-              </a:ext>
-            </a:extLst>
-          </p:cNvPr>
-          <p:cNvSpPr>
-            <a:spLocks noGrp="1"/>
-          </p:cNvSpPr>
-          <p:nvPr>
-            <p:ph type="title"/>
-          </p:nvPr>
-        </p:nvSpPr>
-        <p:spPr/>
-        <p:txBody>
-          <a:bodyPr/>
-          <a:lstStyle/>
-          <a:p>
-            <a:r>
-              <a:rPr lang="fr-FR" dirty="0"/>
-              <a:t>Conclusion :</a:t>
-            </a:r>
-          </a:p>
-        </p:txBody>
-      </p:sp>
-      <p:sp>
-        <p:nvSpPr>
-          <p:cNvPr id="3" name="Espace réservé du contenu 2">
-            <a:extLst>
-              <a:ext uri="{FF2B5EF4-FFF2-40B4-BE49-F238E27FC236}">
-                <a16:creationId xmlns:a16="http://schemas.microsoft.com/office/drawing/2014/main" id="{EC037D9C-410D-8F09-D2D8-842EAF7EFE10}"/>
-              </a:ext>
-            </a:extLst>
-          </p:cNvPr>
-          <p:cNvSpPr>
-            <a:spLocks noGrp="1"/>
-          </p:cNvSpPr>
-          <p:nvPr>
-            <p:ph idx="1"/>
-          </p:nvPr>
-        </p:nvSpPr>
-        <p:spPr/>
-        <p:txBody>
-          <a:bodyPr/>
-          <a:lstStyle/>
-          <a:p>
-            <a:endParaRPr lang="fr-FR"/>
-          </a:p>
-        </p:txBody>
-      </p:sp>
-    </p:spTree>
-    <p:extLst>
-      <p:ext uri="{BB962C8B-B14F-4D97-AF65-F5344CB8AC3E}">
-        <p14:creationId xmlns:p14="http://schemas.microsoft.com/office/powerpoint/2010/main" val="4132934721"/>
       </p:ext>
     </p:extLst>
   </p:cSld>

--- a/revue de projet Quentin Dida-Juhel.pptx
+++ b/revue de projet Quentin Dida-Juhel.pptx
@@ -171,7 +171,7 @@
           <a:noFill/>
           <a:extLst>
             <a:ext uri="{909E8E84-426E-40dd-AFC4-6F175D3DCCD1}">
-              <a14:hiddenFill xmlns:a14="http://schemas.microsoft.com/office/drawing/2010/main" xmlns="">
+              <a14:hiddenFill xmlns="" xmlns:a14="http://schemas.microsoft.com/office/drawing/2010/main">
                 <a:solidFill>
                   <a:srgbClr val="FFFFFF"/>
                 </a:solidFill>
@@ -231,7 +231,7 @@
             </a:ln>
             <a:extLst>
               <a:ext uri="{91240B29-F687-4f45-9708-019B960494DF}">
-                <a14:hiddenLine xmlns:a14="http://schemas.microsoft.com/office/drawing/2010/main" xmlns="" w="9525">
+                <a14:hiddenLine xmlns="" xmlns:a14="http://schemas.microsoft.com/office/drawing/2010/main" w="9525">
                   <a:solidFill>
                     <a:srgbClr val="000000"/>
                   </a:solidFill>
@@ -321,7 +321,7 @@
             </a:ln>
             <a:extLst>
               <a:ext uri="{91240B29-F687-4f45-9708-019B960494DF}">
-                <a14:hiddenLine xmlns:a14="http://schemas.microsoft.com/office/drawing/2010/main" xmlns="" w="9525">
+                <a14:hiddenLine xmlns="" xmlns:a14="http://schemas.microsoft.com/office/drawing/2010/main" w="9525">
                   <a:solidFill>
                     <a:srgbClr val="000000"/>
                   </a:solidFill>
@@ -411,7 +411,7 @@
             </a:ln>
             <a:extLst>
               <a:ext uri="{91240B29-F687-4f45-9708-019B960494DF}">
-                <a14:hiddenLine xmlns:a14="http://schemas.microsoft.com/office/drawing/2010/main" xmlns="" w="9525">
+                <a14:hiddenLine xmlns="" xmlns:a14="http://schemas.microsoft.com/office/drawing/2010/main" w="9525">
                   <a:solidFill>
                     <a:srgbClr val="000000"/>
                   </a:solidFill>
@@ -445,7 +445,7 @@
             </a:ln>
             <a:extLst>
               <a:ext uri="{91240B29-F687-4f45-9708-019B960494DF}">
-                <a14:hiddenLine xmlns:a14="http://schemas.microsoft.com/office/drawing/2010/main" xmlns="" w="9525">
+                <a14:hiddenLine xmlns="" xmlns:a14="http://schemas.microsoft.com/office/drawing/2010/main" w="9525">
                   <a:solidFill>
                     <a:srgbClr val="000000"/>
                   </a:solidFill>
@@ -535,7 +535,7 @@
             </a:ln>
             <a:extLst>
               <a:ext uri="{91240B29-F687-4f45-9708-019B960494DF}">
-                <a14:hiddenLine xmlns:a14="http://schemas.microsoft.com/office/drawing/2010/main" xmlns="" w="9525">
+                <a14:hiddenLine xmlns="" xmlns:a14="http://schemas.microsoft.com/office/drawing/2010/main" w="9525">
                   <a:solidFill>
                     <a:srgbClr val="000000"/>
                   </a:solidFill>
@@ -597,7 +597,7 @@
             </a:ln>
             <a:extLst>
               <a:ext uri="{91240B29-F687-4f45-9708-019B960494DF}">
-                <a14:hiddenLine xmlns:a14="http://schemas.microsoft.com/office/drawing/2010/main" xmlns="" w="9525">
+                <a14:hiddenLine xmlns="" xmlns:a14="http://schemas.microsoft.com/office/drawing/2010/main" w="9525">
                   <a:solidFill>
                     <a:srgbClr val="000000"/>
                   </a:solidFill>
@@ -659,7 +659,7 @@
             </a:ln>
             <a:extLst>
               <a:ext uri="{91240B29-F687-4f45-9708-019B960494DF}">
-                <a14:hiddenLine xmlns:a14="http://schemas.microsoft.com/office/drawing/2010/main" xmlns="" w="9525">
+                <a14:hiddenLine xmlns="" xmlns:a14="http://schemas.microsoft.com/office/drawing/2010/main" w="9525">
                   <a:solidFill>
                     <a:srgbClr val="000000"/>
                   </a:solidFill>
@@ -749,7 +749,7 @@
             </a:ln>
             <a:extLst>
               <a:ext uri="{91240B29-F687-4f45-9708-019B960494DF}">
-                <a14:hiddenLine xmlns:a14="http://schemas.microsoft.com/office/drawing/2010/main" xmlns="" w="9525">
+                <a14:hiddenLine xmlns="" xmlns:a14="http://schemas.microsoft.com/office/drawing/2010/main" w="9525">
                   <a:solidFill>
                     <a:srgbClr val="000000"/>
                   </a:solidFill>
@@ -811,7 +811,7 @@
             </a:ln>
             <a:extLst>
               <a:ext uri="{91240B29-F687-4f45-9708-019B960494DF}">
-                <a14:hiddenLine xmlns:a14="http://schemas.microsoft.com/office/drawing/2010/main" xmlns="" w="9525">
+                <a14:hiddenLine xmlns="" xmlns:a14="http://schemas.microsoft.com/office/drawing/2010/main" w="9525">
                   <a:solidFill>
                     <a:srgbClr val="000000"/>
                   </a:solidFill>
@@ -873,7 +873,7 @@
             </a:ln>
             <a:extLst>
               <a:ext uri="{91240B29-F687-4f45-9708-019B960494DF}">
-                <a14:hiddenLine xmlns:a14="http://schemas.microsoft.com/office/drawing/2010/main" xmlns="" w="9525">
+                <a14:hiddenLine xmlns="" xmlns:a14="http://schemas.microsoft.com/office/drawing/2010/main" w="9525">
                   <a:solidFill>
                     <a:srgbClr val="000000"/>
                   </a:solidFill>
@@ -963,7 +963,7 @@
             </a:ln>
             <a:extLst>
               <a:ext uri="{91240B29-F687-4f45-9708-019B960494DF}">
-                <a14:hiddenLine xmlns:a14="http://schemas.microsoft.com/office/drawing/2010/main" xmlns="" w="9525">
+                <a14:hiddenLine xmlns="" xmlns:a14="http://schemas.microsoft.com/office/drawing/2010/main" w="9525">
                   <a:solidFill>
                     <a:srgbClr val="000000"/>
                   </a:solidFill>
@@ -1053,7 +1053,7 @@
             </a:ln>
             <a:extLst>
               <a:ext uri="{91240B29-F687-4f45-9708-019B960494DF}">
-                <a14:hiddenLine xmlns:a14="http://schemas.microsoft.com/office/drawing/2010/main" xmlns="" w="9525">
+                <a14:hiddenLine xmlns="" xmlns:a14="http://schemas.microsoft.com/office/drawing/2010/main" w="9525">
                   <a:solidFill>
                     <a:srgbClr val="000000"/>
                   </a:solidFill>
@@ -1115,7 +1115,7 @@
             </a:ln>
             <a:extLst>
               <a:ext uri="{91240B29-F687-4f45-9708-019B960494DF}">
-                <a14:hiddenLine xmlns:a14="http://schemas.microsoft.com/office/drawing/2010/main" xmlns="" w="9525">
+                <a14:hiddenLine xmlns="" xmlns:a14="http://schemas.microsoft.com/office/drawing/2010/main" w="9525">
                   <a:solidFill>
                     <a:srgbClr val="000000"/>
                   </a:solidFill>
@@ -1225,7 +1225,7 @@
             </a:ln>
             <a:extLst>
               <a:ext uri="{91240B29-F687-4f45-9708-019B960494DF}">
-                <a14:hiddenLine xmlns:a14="http://schemas.microsoft.com/office/drawing/2010/main" xmlns="" w="9525">
+                <a14:hiddenLine xmlns="" xmlns:a14="http://schemas.microsoft.com/office/drawing/2010/main" w="9525">
                   <a:solidFill>
                     <a:srgbClr val="000000"/>
                   </a:solidFill>
@@ -1287,7 +1287,7 @@
             </a:ln>
             <a:extLst>
               <a:ext uri="{91240B29-F687-4f45-9708-019B960494DF}">
-                <a14:hiddenLine xmlns:a14="http://schemas.microsoft.com/office/drawing/2010/main" xmlns="" w="9525">
+                <a14:hiddenLine xmlns="" xmlns:a14="http://schemas.microsoft.com/office/drawing/2010/main" w="9525">
                   <a:solidFill>
                     <a:srgbClr val="000000"/>
                   </a:solidFill>
@@ -1377,7 +1377,7 @@
             </a:ln>
             <a:extLst>
               <a:ext uri="{91240B29-F687-4f45-9708-019B960494DF}">
-                <a14:hiddenLine xmlns:a14="http://schemas.microsoft.com/office/drawing/2010/main" xmlns="" w="9525">
+                <a14:hiddenLine xmlns="" xmlns:a14="http://schemas.microsoft.com/office/drawing/2010/main" w="9525">
                   <a:solidFill>
                     <a:srgbClr val="000000"/>
                   </a:solidFill>
@@ -1467,7 +1467,7 @@
             </a:ln>
             <a:extLst>
               <a:ext uri="{91240B29-F687-4f45-9708-019B960494DF}">
-                <a14:hiddenLine xmlns:a14="http://schemas.microsoft.com/office/drawing/2010/main" xmlns="" w="9525">
+                <a14:hiddenLine xmlns="" xmlns:a14="http://schemas.microsoft.com/office/drawing/2010/main" w="9525">
                   <a:solidFill>
                     <a:srgbClr val="000000"/>
                   </a:solidFill>
@@ -1529,7 +1529,7 @@
             </a:ln>
             <a:extLst>
               <a:ext uri="{91240B29-F687-4f45-9708-019B960494DF}">
-                <a14:hiddenLine xmlns:a14="http://schemas.microsoft.com/office/drawing/2010/main" xmlns="" w="9525">
+                <a14:hiddenLine xmlns="" xmlns:a14="http://schemas.microsoft.com/office/drawing/2010/main" w="9525">
                   <a:solidFill>
                     <a:srgbClr val="000000"/>
                   </a:solidFill>
@@ -1619,7 +1619,7 @@
             </a:ln>
             <a:extLst>
               <a:ext uri="{91240B29-F687-4f45-9708-019B960494DF}">
-                <a14:hiddenLine xmlns:a14="http://schemas.microsoft.com/office/drawing/2010/main" xmlns="" w="9525">
+                <a14:hiddenLine xmlns="" xmlns:a14="http://schemas.microsoft.com/office/drawing/2010/main" w="9525">
                   <a:solidFill>
                     <a:srgbClr val="000000"/>
                   </a:solidFill>
@@ -1709,7 +1709,7 @@
             </a:ln>
             <a:extLst>
               <a:ext uri="{91240B29-F687-4f45-9708-019B960494DF}">
-                <a14:hiddenLine xmlns:a14="http://schemas.microsoft.com/office/drawing/2010/main" xmlns="" w="9525">
+                <a14:hiddenLine xmlns="" xmlns:a14="http://schemas.microsoft.com/office/drawing/2010/main" w="9525">
                   <a:solidFill>
                     <a:srgbClr val="000000"/>
                   </a:solidFill>
@@ -1765,7 +1765,7 @@
             </a:ln>
             <a:extLst>
               <a:ext uri="{91240B29-F687-4f45-9708-019B960494DF}">
-                <a14:hiddenLine xmlns:a14="http://schemas.microsoft.com/office/drawing/2010/main" xmlns="" w="9525">
+                <a14:hiddenLine xmlns="" xmlns:a14="http://schemas.microsoft.com/office/drawing/2010/main" w="9525">
                   <a:solidFill>
                     <a:srgbClr val="000000"/>
                   </a:solidFill>
@@ -1855,7 +1855,7 @@
             </a:ln>
             <a:extLst>
               <a:ext uri="{91240B29-F687-4f45-9708-019B960494DF}">
-                <a14:hiddenLine xmlns:a14="http://schemas.microsoft.com/office/drawing/2010/main" xmlns="" w="9525">
+                <a14:hiddenLine xmlns="" xmlns:a14="http://schemas.microsoft.com/office/drawing/2010/main" w="9525">
                   <a:solidFill>
                     <a:srgbClr val="000000"/>
                   </a:solidFill>
@@ -1911,7 +1911,7 @@
             </a:ln>
             <a:extLst>
               <a:ext uri="{91240B29-F687-4f45-9708-019B960494DF}">
-                <a14:hiddenLine xmlns:a14="http://schemas.microsoft.com/office/drawing/2010/main" xmlns="" w="9525">
+                <a14:hiddenLine xmlns="" xmlns:a14="http://schemas.microsoft.com/office/drawing/2010/main" w="9525">
                   <a:solidFill>
                     <a:srgbClr val="000000"/>
                   </a:solidFill>
@@ -2001,7 +2001,7 @@
             </a:ln>
             <a:extLst>
               <a:ext uri="{91240B29-F687-4f45-9708-019B960494DF}">
-                <a14:hiddenLine xmlns:a14="http://schemas.microsoft.com/office/drawing/2010/main" xmlns="" w="9525">
+                <a14:hiddenLine xmlns="" xmlns:a14="http://schemas.microsoft.com/office/drawing/2010/main" w="9525">
                   <a:solidFill>
                     <a:srgbClr val="000000"/>
                   </a:solidFill>
@@ -2069,7 +2069,7 @@
             </a:ln>
             <a:extLst>
               <a:ext uri="{91240B29-F687-4f45-9708-019B960494DF}">
-                <a14:hiddenLine xmlns:a14="http://schemas.microsoft.com/office/drawing/2010/main" xmlns="" w="9525">
+                <a14:hiddenLine xmlns="" xmlns:a14="http://schemas.microsoft.com/office/drawing/2010/main" w="9525">
                   <a:solidFill>
                     <a:srgbClr val="000000"/>
                   </a:solidFill>
@@ -2159,7 +2159,7 @@
             </a:ln>
             <a:extLst>
               <a:ext uri="{91240B29-F687-4f45-9708-019B960494DF}">
-                <a14:hiddenLine xmlns:a14="http://schemas.microsoft.com/office/drawing/2010/main" xmlns="" w="9525">
+                <a14:hiddenLine xmlns="" xmlns:a14="http://schemas.microsoft.com/office/drawing/2010/main" w="9525">
                   <a:solidFill>
                     <a:srgbClr val="000000"/>
                   </a:solidFill>
@@ -2227,7 +2227,7 @@
             </a:ln>
             <a:extLst>
               <a:ext uri="{91240B29-F687-4f45-9708-019B960494DF}">
-                <a14:hiddenLine xmlns:a14="http://schemas.microsoft.com/office/drawing/2010/main" xmlns="" w="9525">
+                <a14:hiddenLine xmlns="" xmlns:a14="http://schemas.microsoft.com/office/drawing/2010/main" w="9525">
                   <a:solidFill>
                     <a:srgbClr val="000000"/>
                   </a:solidFill>
@@ -2317,7 +2317,7 @@
             </a:ln>
             <a:extLst>
               <a:ext uri="{91240B29-F687-4f45-9708-019B960494DF}">
-                <a14:hiddenLine xmlns:a14="http://schemas.microsoft.com/office/drawing/2010/main" xmlns="" w="9525">
+                <a14:hiddenLine xmlns="" xmlns:a14="http://schemas.microsoft.com/office/drawing/2010/main" w="9525">
                   <a:solidFill>
                     <a:srgbClr val="000000"/>
                   </a:solidFill>
@@ -2351,7 +2351,7 @@
             </a:ln>
             <a:extLst>
               <a:ext uri="{91240B29-F687-4f45-9708-019B960494DF}">
-                <a14:hiddenLine xmlns:a14="http://schemas.microsoft.com/office/drawing/2010/main" xmlns="" w="9525">
+                <a14:hiddenLine xmlns="" xmlns:a14="http://schemas.microsoft.com/office/drawing/2010/main" w="9525">
                   <a:solidFill>
                     <a:srgbClr val="000000"/>
                   </a:solidFill>
@@ -2441,7 +2441,7 @@
             </a:ln>
             <a:extLst>
               <a:ext uri="{91240B29-F687-4f45-9708-019B960494DF}">
-                <a14:hiddenLine xmlns:a14="http://schemas.microsoft.com/office/drawing/2010/main" xmlns="" w="9525">
+                <a14:hiddenLine xmlns="" xmlns:a14="http://schemas.microsoft.com/office/drawing/2010/main" w="9525">
                   <a:solidFill>
                     <a:srgbClr val="000000"/>
                   </a:solidFill>
@@ -2503,7 +2503,7 @@
             </a:ln>
             <a:extLst>
               <a:ext uri="{91240B29-F687-4f45-9708-019B960494DF}">
-                <a14:hiddenLine xmlns:a14="http://schemas.microsoft.com/office/drawing/2010/main" xmlns="" w="9525">
+                <a14:hiddenLine xmlns="" xmlns:a14="http://schemas.microsoft.com/office/drawing/2010/main" w="9525">
                   <a:solidFill>
                     <a:srgbClr val="000000"/>
                   </a:solidFill>
@@ -2565,7 +2565,7 @@
             </a:ln>
             <a:extLst>
               <a:ext uri="{91240B29-F687-4f45-9708-019B960494DF}">
-                <a14:hiddenLine xmlns:a14="http://schemas.microsoft.com/office/drawing/2010/main" xmlns="" w="9525">
+                <a14:hiddenLine xmlns="" xmlns:a14="http://schemas.microsoft.com/office/drawing/2010/main" w="9525">
                   <a:solidFill>
                     <a:srgbClr val="000000"/>
                   </a:solidFill>
@@ -2655,7 +2655,7 @@
             </a:ln>
             <a:extLst>
               <a:ext uri="{91240B29-F687-4f45-9708-019B960494DF}">
-                <a14:hiddenLine xmlns:a14="http://schemas.microsoft.com/office/drawing/2010/main" xmlns="" w="9525">
+                <a14:hiddenLine xmlns="" xmlns:a14="http://schemas.microsoft.com/office/drawing/2010/main" w="9525">
                   <a:solidFill>
                     <a:srgbClr val="000000"/>
                   </a:solidFill>
@@ -2723,7 +2723,7 @@
             </a:ln>
             <a:extLst>
               <a:ext uri="{91240B29-F687-4f45-9708-019B960494DF}">
-                <a14:hiddenLine xmlns:a14="http://schemas.microsoft.com/office/drawing/2010/main" xmlns="" w="9525">
+                <a14:hiddenLine xmlns="" xmlns:a14="http://schemas.microsoft.com/office/drawing/2010/main" w="9525">
                   <a:solidFill>
                     <a:srgbClr val="000000"/>
                   </a:solidFill>
@@ -2785,7 +2785,7 @@
             </a:ln>
             <a:extLst>
               <a:ext uri="{91240B29-F687-4f45-9708-019B960494DF}">
-                <a14:hiddenLine xmlns:a14="http://schemas.microsoft.com/office/drawing/2010/main" xmlns="" w="9525">
+                <a14:hiddenLine xmlns="" xmlns:a14="http://schemas.microsoft.com/office/drawing/2010/main" w="9525">
                   <a:solidFill>
                     <a:srgbClr val="000000"/>
                   </a:solidFill>
@@ -2875,7 +2875,7 @@
             </a:ln>
             <a:extLst>
               <a:ext uri="{91240B29-F687-4f45-9708-019B960494DF}">
-                <a14:hiddenLine xmlns:a14="http://schemas.microsoft.com/office/drawing/2010/main" xmlns="" w="9525">
+                <a14:hiddenLine xmlns="" xmlns:a14="http://schemas.microsoft.com/office/drawing/2010/main" w="9525">
                   <a:solidFill>
                     <a:srgbClr val="000000"/>
                   </a:solidFill>
@@ -2937,7 +2937,7 @@
             </a:ln>
             <a:extLst>
               <a:ext uri="{91240B29-F687-4f45-9708-019B960494DF}">
-                <a14:hiddenLine xmlns:a14="http://schemas.microsoft.com/office/drawing/2010/main" xmlns="" w="9525">
+                <a14:hiddenLine xmlns="" xmlns:a14="http://schemas.microsoft.com/office/drawing/2010/main" w="9525">
                   <a:solidFill>
                     <a:srgbClr val="000000"/>
                   </a:solidFill>
@@ -3027,7 +3027,7 @@
             </a:ln>
             <a:extLst>
               <a:ext uri="{91240B29-F687-4f45-9708-019B960494DF}">
-                <a14:hiddenLine xmlns:a14="http://schemas.microsoft.com/office/drawing/2010/main" xmlns="" w="9525">
+                <a14:hiddenLine xmlns="" xmlns:a14="http://schemas.microsoft.com/office/drawing/2010/main" w="9525">
                   <a:solidFill>
                     <a:srgbClr val="000000"/>
                   </a:solidFill>
@@ -3089,7 +3089,7 @@
             </a:ln>
             <a:extLst>
               <a:ext uri="{91240B29-F687-4f45-9708-019B960494DF}">
-                <a14:hiddenLine xmlns:a14="http://schemas.microsoft.com/office/drawing/2010/main" xmlns="" w="9525">
+                <a14:hiddenLine xmlns="" xmlns:a14="http://schemas.microsoft.com/office/drawing/2010/main" w="9525">
                   <a:solidFill>
                     <a:srgbClr val="000000"/>
                   </a:solidFill>
@@ -3179,7 +3179,7 @@
             </a:ln>
             <a:extLst>
               <a:ext uri="{91240B29-F687-4f45-9708-019B960494DF}">
-                <a14:hiddenLine xmlns:a14="http://schemas.microsoft.com/office/drawing/2010/main" xmlns="" w="9525">
+                <a14:hiddenLine xmlns="" xmlns:a14="http://schemas.microsoft.com/office/drawing/2010/main" w="9525">
                   <a:solidFill>
                     <a:srgbClr val="000000"/>
                   </a:solidFill>
@@ -3213,7 +3213,7 @@
             </a:ln>
             <a:extLst>
               <a:ext uri="{91240B29-F687-4f45-9708-019B960494DF}">
-                <a14:hiddenLine xmlns:a14="http://schemas.microsoft.com/office/drawing/2010/main" xmlns="" w="9525">
+                <a14:hiddenLine xmlns="" xmlns:a14="http://schemas.microsoft.com/office/drawing/2010/main" w="9525">
                   <a:solidFill>
                     <a:srgbClr val="000000"/>
                   </a:solidFill>
@@ -3278,7 +3278,7 @@
             </a:ln>
             <a:extLst>
               <a:ext uri="{91240B29-F687-4f45-9708-019B960494DF}">
-                <a14:hiddenLine xmlns:a14="http://schemas.microsoft.com/office/drawing/2010/main" xmlns="" w="9525">
+                <a14:hiddenLine xmlns="" xmlns:a14="http://schemas.microsoft.com/office/drawing/2010/main" w="9525">
                   <a:solidFill>
                     <a:srgbClr val="000000"/>
                   </a:solidFill>
@@ -3368,7 +3368,7 @@
             </a:ln>
             <a:extLst>
               <a:ext uri="{91240B29-F687-4f45-9708-019B960494DF}">
-                <a14:hiddenLine xmlns:a14="http://schemas.microsoft.com/office/drawing/2010/main" xmlns="" w="9525">
+                <a14:hiddenLine xmlns="" xmlns:a14="http://schemas.microsoft.com/office/drawing/2010/main" w="9525">
                   <a:solidFill>
                     <a:srgbClr val="000000"/>
                   </a:solidFill>
@@ -3430,7 +3430,7 @@
             </a:ln>
             <a:extLst>
               <a:ext uri="{91240B29-F687-4f45-9708-019B960494DF}">
-                <a14:hiddenLine xmlns:a14="http://schemas.microsoft.com/office/drawing/2010/main" xmlns="" w="9525">
+                <a14:hiddenLine xmlns="" xmlns:a14="http://schemas.microsoft.com/office/drawing/2010/main" w="9525">
                   <a:solidFill>
                     <a:srgbClr val="000000"/>
                   </a:solidFill>
@@ -3520,7 +3520,7 @@
             </a:ln>
             <a:extLst>
               <a:ext uri="{91240B29-F687-4f45-9708-019B960494DF}">
-                <a14:hiddenLine xmlns:a14="http://schemas.microsoft.com/office/drawing/2010/main" xmlns="" w="9525">
+                <a14:hiddenLine xmlns="" xmlns:a14="http://schemas.microsoft.com/office/drawing/2010/main" w="9525">
                   <a:solidFill>
                     <a:srgbClr val="000000"/>
                   </a:solidFill>
@@ -3610,7 +3610,7 @@
             </a:ln>
             <a:extLst>
               <a:ext uri="{91240B29-F687-4f45-9708-019B960494DF}">
-                <a14:hiddenLine xmlns:a14="http://schemas.microsoft.com/office/drawing/2010/main" xmlns="" w="9525">
+                <a14:hiddenLine xmlns="" xmlns:a14="http://schemas.microsoft.com/office/drawing/2010/main" w="9525">
                   <a:solidFill>
                     <a:srgbClr val="000000"/>
                   </a:solidFill>
@@ -3675,7 +3675,7 @@
             </a:ln>
             <a:extLst>
               <a:ext uri="{91240B29-F687-4f45-9708-019B960494DF}">
-                <a14:hiddenLine xmlns:a14="http://schemas.microsoft.com/office/drawing/2010/main" xmlns="" w="9525">
+                <a14:hiddenLine xmlns="" xmlns:a14="http://schemas.microsoft.com/office/drawing/2010/main" w="9525">
                   <a:solidFill>
                     <a:srgbClr val="000000"/>
                   </a:solidFill>
@@ -3737,7 +3737,7 @@
             </a:ln>
             <a:extLst>
               <a:ext uri="{91240B29-F687-4f45-9708-019B960494DF}">
-                <a14:hiddenLine xmlns:a14="http://schemas.microsoft.com/office/drawing/2010/main" xmlns="" w="9525">
+                <a14:hiddenLine xmlns="" xmlns:a14="http://schemas.microsoft.com/office/drawing/2010/main" w="9525">
                   <a:solidFill>
                     <a:srgbClr val="000000"/>
                   </a:solidFill>
@@ -3827,7 +3827,7 @@
             </a:ln>
             <a:extLst>
               <a:ext uri="{91240B29-F687-4f45-9708-019B960494DF}">
-                <a14:hiddenLine xmlns:a14="http://schemas.microsoft.com/office/drawing/2010/main" xmlns="" w="9525">
+                <a14:hiddenLine xmlns="" xmlns:a14="http://schemas.microsoft.com/office/drawing/2010/main" w="9525">
                   <a:solidFill>
                     <a:srgbClr val="000000"/>
                   </a:solidFill>
@@ -3917,7 +3917,7 @@
             </a:ln>
             <a:extLst>
               <a:ext uri="{91240B29-F687-4f45-9708-019B960494DF}">
-                <a14:hiddenLine xmlns:a14="http://schemas.microsoft.com/office/drawing/2010/main" xmlns="" w="9525">
+                <a14:hiddenLine xmlns="" xmlns:a14="http://schemas.microsoft.com/office/drawing/2010/main" w="9525">
                   <a:solidFill>
                     <a:srgbClr val="000000"/>
                   </a:solidFill>
@@ -3979,7 +3979,7 @@
             </a:ln>
             <a:extLst>
               <a:ext uri="{91240B29-F687-4f45-9708-019B960494DF}">
-                <a14:hiddenLine xmlns:a14="http://schemas.microsoft.com/office/drawing/2010/main" xmlns="" w="9525">
+                <a14:hiddenLine xmlns="" xmlns:a14="http://schemas.microsoft.com/office/drawing/2010/main" w="9525">
                   <a:solidFill>
                     <a:srgbClr val="000000"/>
                   </a:solidFill>
@@ -4099,7 +4099,7 @@
             </a:ln>
             <a:extLst>
               <a:ext uri="{91240B29-F687-4f45-9708-019B960494DF}">
-                <a14:hiddenLine xmlns:a14="http://schemas.microsoft.com/office/drawing/2010/main" xmlns="" w="9525">
+                <a14:hiddenLine xmlns="" xmlns:a14="http://schemas.microsoft.com/office/drawing/2010/main" w="9525">
                   <a:solidFill>
                     <a:srgbClr val="000000"/>
                   </a:solidFill>
@@ -4167,7 +4167,7 @@
             </a:ln>
             <a:extLst>
               <a:ext uri="{91240B29-F687-4f45-9708-019B960494DF}">
-                <a14:hiddenLine xmlns:a14="http://schemas.microsoft.com/office/drawing/2010/main" xmlns="" w="9525">
+                <a14:hiddenLine xmlns="" xmlns:a14="http://schemas.microsoft.com/office/drawing/2010/main" w="9525">
                   <a:solidFill>
                     <a:srgbClr val="000000"/>
                   </a:solidFill>
@@ -4257,7 +4257,7 @@
             </a:ln>
             <a:extLst>
               <a:ext uri="{91240B29-F687-4f45-9708-019B960494DF}">
-                <a14:hiddenLine xmlns:a14="http://schemas.microsoft.com/office/drawing/2010/main" xmlns="" w="9525">
+                <a14:hiddenLine xmlns="" xmlns:a14="http://schemas.microsoft.com/office/drawing/2010/main" w="9525">
                   <a:solidFill>
                     <a:srgbClr val="000000"/>
                   </a:solidFill>
@@ -4397,7 +4397,7 @@
           <a:p>
             <a:fld id="{D4E90F3C-DA03-4783-9265-B1AEEE465DC7}" type="datetimeFigureOut">
               <a:rPr lang="fr-FR" smtClean="0"/>
-              <a:t>16/02/2024</a:t>
+              <a:t>19/02/2024</a:t>
             </a:fld>
             <a:endParaRPr lang="fr-FR"/>
           </a:p>
@@ -4664,7 +4664,7 @@
           <a:p>
             <a:fld id="{D4E90F3C-DA03-4783-9265-B1AEEE465DC7}" type="datetimeFigureOut">
               <a:rPr lang="fr-FR" smtClean="0"/>
-              <a:t>16/02/2024</a:t>
+              <a:t>19/02/2024</a:t>
             </a:fld>
             <a:endParaRPr lang="fr-FR"/>
           </a:p>
@@ -4860,7 +4860,7 @@
           <a:p>
             <a:fld id="{D4E90F3C-DA03-4783-9265-B1AEEE465DC7}" type="datetimeFigureOut">
               <a:rPr lang="fr-FR" smtClean="0"/>
-              <a:t>16/02/2024</a:t>
+              <a:t>19/02/2024</a:t>
             </a:fld>
             <a:endParaRPr lang="fr-FR"/>
           </a:p>
@@ -5123,7 +5123,7 @@
           <a:p>
             <a:fld id="{D4E90F3C-DA03-4783-9265-B1AEEE465DC7}" type="datetimeFigureOut">
               <a:rPr lang="fr-FR" smtClean="0"/>
-              <a:t>16/02/2024</a:t>
+              <a:t>19/02/2024</a:t>
             </a:fld>
             <a:endParaRPr lang="fr-FR"/>
           </a:p>
@@ -5557,7 +5557,7 @@
           <a:p>
             <a:fld id="{D4E90F3C-DA03-4783-9265-B1AEEE465DC7}" type="datetimeFigureOut">
               <a:rPr lang="fr-FR" smtClean="0"/>
-              <a:t>16/02/2024</a:t>
+              <a:t>19/02/2024</a:t>
             </a:fld>
             <a:endParaRPr lang="fr-FR"/>
           </a:p>
@@ -6103,7 +6103,7 @@
           <a:p>
             <a:fld id="{D4E90F3C-DA03-4783-9265-B1AEEE465DC7}" type="datetimeFigureOut">
               <a:rPr lang="fr-FR" smtClean="0"/>
-              <a:t>16/02/2024</a:t>
+              <a:t>19/02/2024</a:t>
             </a:fld>
             <a:endParaRPr lang="fr-FR"/>
           </a:p>
@@ -6823,7 +6823,7 @@
           <a:p>
             <a:fld id="{D4E90F3C-DA03-4783-9265-B1AEEE465DC7}" type="datetimeFigureOut">
               <a:rPr lang="fr-FR" smtClean="0"/>
-              <a:t>16/02/2024</a:t>
+              <a:t>19/02/2024</a:t>
             </a:fld>
             <a:endParaRPr lang="fr-FR"/>
           </a:p>
@@ -6993,7 +6993,7 @@
           <a:p>
             <a:fld id="{D4E90F3C-DA03-4783-9265-B1AEEE465DC7}" type="datetimeFigureOut">
               <a:rPr lang="fr-FR" smtClean="0"/>
-              <a:t>16/02/2024</a:t>
+              <a:t>19/02/2024</a:t>
             </a:fld>
             <a:endParaRPr lang="fr-FR"/>
           </a:p>
@@ -7173,7 +7173,7 @@
           <a:p>
             <a:fld id="{D4E90F3C-DA03-4783-9265-B1AEEE465DC7}" type="datetimeFigureOut">
               <a:rPr lang="fr-FR" smtClean="0"/>
-              <a:t>16/02/2024</a:t>
+              <a:t>19/02/2024</a:t>
             </a:fld>
             <a:endParaRPr lang="fr-FR"/>
           </a:p>
@@ -7343,7 +7343,7 @@
           <a:p>
             <a:fld id="{D4E90F3C-DA03-4783-9265-B1AEEE465DC7}" type="datetimeFigureOut">
               <a:rPr lang="fr-FR" smtClean="0"/>
-              <a:t>16/02/2024</a:t>
+              <a:t>19/02/2024</a:t>
             </a:fld>
             <a:endParaRPr lang="fr-FR"/>
           </a:p>
@@ -7593,7 +7593,7 @@
           <a:p>
             <a:fld id="{D4E90F3C-DA03-4783-9265-B1AEEE465DC7}" type="datetimeFigureOut">
               <a:rPr lang="fr-FR" smtClean="0"/>
-              <a:t>16/02/2024</a:t>
+              <a:t>19/02/2024</a:t>
             </a:fld>
             <a:endParaRPr lang="fr-FR"/>
           </a:p>
@@ -7825,7 +7825,7 @@
           <a:p>
             <a:fld id="{D4E90F3C-DA03-4783-9265-B1AEEE465DC7}" type="datetimeFigureOut">
               <a:rPr lang="fr-FR" smtClean="0"/>
-              <a:t>16/02/2024</a:t>
+              <a:t>19/02/2024</a:t>
             </a:fld>
             <a:endParaRPr lang="fr-FR"/>
           </a:p>
@@ -8206,7 +8206,7 @@
           <a:p>
             <a:fld id="{D4E90F3C-DA03-4783-9265-B1AEEE465DC7}" type="datetimeFigureOut">
               <a:rPr lang="fr-FR" smtClean="0"/>
-              <a:t>16/02/2024</a:t>
+              <a:t>19/02/2024</a:t>
             </a:fld>
             <a:endParaRPr lang="fr-FR"/>
           </a:p>
@@ -8324,7 +8324,7 @@
           <a:p>
             <a:fld id="{D4E90F3C-DA03-4783-9265-B1AEEE465DC7}" type="datetimeFigureOut">
               <a:rPr lang="fr-FR" smtClean="0"/>
-              <a:t>16/02/2024</a:t>
+              <a:t>19/02/2024</a:t>
             </a:fld>
             <a:endParaRPr lang="fr-FR"/>
           </a:p>
@@ -8419,7 +8419,7 @@
           <a:p>
             <a:fld id="{D4E90F3C-DA03-4783-9265-B1AEEE465DC7}" type="datetimeFigureOut">
               <a:rPr lang="fr-FR" smtClean="0"/>
-              <a:t>16/02/2024</a:t>
+              <a:t>19/02/2024</a:t>
             </a:fld>
             <a:endParaRPr lang="fr-FR"/>
           </a:p>
@@ -8668,7 +8668,7 @@
           <a:p>
             <a:fld id="{D4E90F3C-DA03-4783-9265-B1AEEE465DC7}" type="datetimeFigureOut">
               <a:rPr lang="fr-FR" smtClean="0"/>
-              <a:t>16/02/2024</a:t>
+              <a:t>19/02/2024</a:t>
             </a:fld>
             <a:endParaRPr lang="fr-FR"/>
           </a:p>
@@ -8948,7 +8948,7 @@
           <a:p>
             <a:fld id="{D4E90F3C-DA03-4783-9265-B1AEEE465DC7}" type="datetimeFigureOut">
               <a:rPr lang="fr-FR" smtClean="0"/>
-              <a:t>16/02/2024</a:t>
+              <a:t>19/02/2024</a:t>
             </a:fld>
             <a:endParaRPr lang="fr-FR"/>
           </a:p>
@@ -9064,7 +9064,7 @@
           <a:noFill/>
           <a:extLst>
             <a:ext uri="{909E8E84-426E-40dd-AFC4-6F175D3DCCD1}">
-              <a14:hiddenFill xmlns:a14="http://schemas.microsoft.com/office/drawing/2010/main" xmlns="">
+              <a14:hiddenFill xmlns="" xmlns:a14="http://schemas.microsoft.com/office/drawing/2010/main">
                 <a:solidFill>
                   <a:srgbClr val="FFFFFF"/>
                 </a:solidFill>
@@ -9138,7 +9138,7 @@
               </a:ln>
               <a:extLst>
                 <a:ext uri="{91240B29-F687-4f45-9708-019B960494DF}">
-                  <a14:hiddenLine xmlns:a14="http://schemas.microsoft.com/office/drawing/2010/main" xmlns="" w="9525">
+                  <a14:hiddenLine xmlns="" xmlns:a14="http://schemas.microsoft.com/office/drawing/2010/main" w="9525">
                     <a:solidFill>
                       <a:srgbClr val="000000"/>
                     </a:solidFill>
@@ -9228,7 +9228,7 @@
               </a:ln>
               <a:extLst>
                 <a:ext uri="{91240B29-F687-4f45-9708-019B960494DF}">
-                  <a14:hiddenLine xmlns:a14="http://schemas.microsoft.com/office/drawing/2010/main" xmlns="" w="9525">
+                  <a14:hiddenLine xmlns="" xmlns:a14="http://schemas.microsoft.com/office/drawing/2010/main" w="9525">
                     <a:solidFill>
                       <a:srgbClr val="000000"/>
                     </a:solidFill>
@@ -9318,7 +9318,7 @@
               </a:ln>
               <a:extLst>
                 <a:ext uri="{91240B29-F687-4f45-9708-019B960494DF}">
-                  <a14:hiddenLine xmlns:a14="http://schemas.microsoft.com/office/drawing/2010/main" xmlns="" w="9525">
+                  <a14:hiddenLine xmlns="" xmlns:a14="http://schemas.microsoft.com/office/drawing/2010/main" w="9525">
                     <a:solidFill>
                       <a:srgbClr val="000000"/>
                     </a:solidFill>
@@ -9380,7 +9380,7 @@
               </a:ln>
               <a:extLst>
                 <a:ext uri="{91240B29-F687-4f45-9708-019B960494DF}">
-                  <a14:hiddenLine xmlns:a14="http://schemas.microsoft.com/office/drawing/2010/main" xmlns="" w="9525">
+                  <a14:hiddenLine xmlns="" xmlns:a14="http://schemas.microsoft.com/office/drawing/2010/main" w="9525">
                     <a:solidFill>
                       <a:srgbClr val="000000"/>
                     </a:solidFill>
@@ -9470,7 +9470,7 @@
               </a:ln>
               <a:extLst>
                 <a:ext uri="{91240B29-F687-4f45-9708-019B960494DF}">
-                  <a14:hiddenLine xmlns:a14="http://schemas.microsoft.com/office/drawing/2010/main" xmlns="" w="9525">
+                  <a14:hiddenLine xmlns="" xmlns:a14="http://schemas.microsoft.com/office/drawing/2010/main" w="9525">
                     <a:solidFill>
                       <a:srgbClr val="000000"/>
                     </a:solidFill>
@@ -9532,7 +9532,7 @@
               </a:ln>
               <a:extLst>
                 <a:ext uri="{91240B29-F687-4f45-9708-019B960494DF}">
-                  <a14:hiddenLine xmlns:a14="http://schemas.microsoft.com/office/drawing/2010/main" xmlns="" w="9525">
+                  <a14:hiddenLine xmlns="" xmlns:a14="http://schemas.microsoft.com/office/drawing/2010/main" w="9525">
                     <a:solidFill>
                       <a:srgbClr val="000000"/>
                     </a:solidFill>
@@ -9594,7 +9594,7 @@
               </a:ln>
               <a:extLst>
                 <a:ext uri="{91240B29-F687-4f45-9708-019B960494DF}">
-                  <a14:hiddenLine xmlns:a14="http://schemas.microsoft.com/office/drawing/2010/main" xmlns="" w="9525">
+                  <a14:hiddenLine xmlns="" xmlns:a14="http://schemas.microsoft.com/office/drawing/2010/main" w="9525">
                     <a:solidFill>
                       <a:srgbClr val="000000"/>
                     </a:solidFill>
@@ -9684,7 +9684,7 @@
               </a:ln>
               <a:extLst>
                 <a:ext uri="{91240B29-F687-4f45-9708-019B960494DF}">
-                  <a14:hiddenLine xmlns:a14="http://schemas.microsoft.com/office/drawing/2010/main" xmlns="" w="9525">
+                  <a14:hiddenLine xmlns="" xmlns:a14="http://schemas.microsoft.com/office/drawing/2010/main" w="9525">
                     <a:solidFill>
                       <a:srgbClr val="000000"/>
                     </a:solidFill>
@@ -9774,7 +9774,7 @@
               </a:ln>
               <a:extLst>
                 <a:ext uri="{91240B29-F687-4f45-9708-019B960494DF}">
-                  <a14:hiddenLine xmlns:a14="http://schemas.microsoft.com/office/drawing/2010/main" xmlns="" w="9525">
+                  <a14:hiddenLine xmlns="" xmlns:a14="http://schemas.microsoft.com/office/drawing/2010/main" w="9525">
                     <a:solidFill>
                       <a:srgbClr val="000000"/>
                     </a:solidFill>
@@ -9836,7 +9836,7 @@
               </a:ln>
               <a:extLst>
                 <a:ext uri="{91240B29-F687-4f45-9708-019B960494DF}">
-                  <a14:hiddenLine xmlns:a14="http://schemas.microsoft.com/office/drawing/2010/main" xmlns="" w="9525">
+                  <a14:hiddenLine xmlns="" xmlns:a14="http://schemas.microsoft.com/office/drawing/2010/main" w="9525">
                     <a:solidFill>
                       <a:srgbClr val="000000"/>
                     </a:solidFill>
@@ -9946,7 +9946,7 @@
               </a:ln>
               <a:extLst>
                 <a:ext uri="{91240B29-F687-4f45-9708-019B960494DF}">
-                  <a14:hiddenLine xmlns:a14="http://schemas.microsoft.com/office/drawing/2010/main" xmlns="" w="9525">
+                  <a14:hiddenLine xmlns="" xmlns:a14="http://schemas.microsoft.com/office/drawing/2010/main" w="9525">
                     <a:solidFill>
                       <a:srgbClr val="000000"/>
                     </a:solidFill>
@@ -10030,7 +10030,7 @@
               </a:ln>
               <a:extLst>
                 <a:ext uri="{91240B29-F687-4f45-9708-019B960494DF}">
-                  <a14:hiddenLine xmlns:a14="http://schemas.microsoft.com/office/drawing/2010/main" xmlns="" w="9525">
+                  <a14:hiddenLine xmlns="" xmlns:a14="http://schemas.microsoft.com/office/drawing/2010/main" w="9525">
                     <a:solidFill>
                       <a:srgbClr val="000000"/>
                     </a:solidFill>
@@ -10092,7 +10092,7 @@
               </a:ln>
               <a:extLst>
                 <a:ext uri="{91240B29-F687-4f45-9708-019B960494DF}">
-                  <a14:hiddenLine xmlns:a14="http://schemas.microsoft.com/office/drawing/2010/main" xmlns="" w="9525">
+                  <a14:hiddenLine xmlns="" xmlns:a14="http://schemas.microsoft.com/office/drawing/2010/main" w="9525">
                     <a:solidFill>
                       <a:srgbClr val="000000"/>
                     </a:solidFill>
@@ -10154,7 +10154,7 @@
               </a:ln>
               <a:extLst>
                 <a:ext uri="{91240B29-F687-4f45-9708-019B960494DF}">
-                  <a14:hiddenLine xmlns:a14="http://schemas.microsoft.com/office/drawing/2010/main" xmlns="" w="9525">
+                  <a14:hiddenLine xmlns="" xmlns:a14="http://schemas.microsoft.com/office/drawing/2010/main" w="9525">
                     <a:solidFill>
                       <a:srgbClr val="000000"/>
                     </a:solidFill>
@@ -10244,7 +10244,7 @@
               </a:ln>
               <a:extLst>
                 <a:ext uri="{91240B29-F687-4f45-9708-019B960494DF}">
-                  <a14:hiddenLine xmlns:a14="http://schemas.microsoft.com/office/drawing/2010/main" xmlns="" w="9525">
+                  <a14:hiddenLine xmlns="" xmlns:a14="http://schemas.microsoft.com/office/drawing/2010/main" w="9525">
                     <a:solidFill>
                       <a:srgbClr val="000000"/>
                     </a:solidFill>
@@ -10278,7 +10278,7 @@
               </a:ln>
               <a:extLst>
                 <a:ext uri="{91240B29-F687-4f45-9708-019B960494DF}">
-                  <a14:hiddenLine xmlns:a14="http://schemas.microsoft.com/office/drawing/2010/main" xmlns="" w="9525">
+                  <a14:hiddenLine xmlns="" xmlns:a14="http://schemas.microsoft.com/office/drawing/2010/main" w="9525">
                     <a:solidFill>
                       <a:srgbClr val="000000"/>
                     </a:solidFill>
@@ -10343,7 +10343,7 @@
               </a:ln>
               <a:extLst>
                 <a:ext uri="{91240B29-F687-4f45-9708-019B960494DF}">
-                  <a14:hiddenLine xmlns:a14="http://schemas.microsoft.com/office/drawing/2010/main" xmlns="" w="9525">
+                  <a14:hiddenLine xmlns="" xmlns:a14="http://schemas.microsoft.com/office/drawing/2010/main" w="9525">
                     <a:solidFill>
                       <a:srgbClr val="000000"/>
                     </a:solidFill>
@@ -10433,7 +10433,7 @@
               </a:ln>
               <a:extLst>
                 <a:ext uri="{91240B29-F687-4f45-9708-019B960494DF}">
-                  <a14:hiddenLine xmlns:a14="http://schemas.microsoft.com/office/drawing/2010/main" xmlns="" w="9525">
+                  <a14:hiddenLine xmlns="" xmlns:a14="http://schemas.microsoft.com/office/drawing/2010/main" w="9525">
                     <a:solidFill>
                       <a:srgbClr val="000000"/>
                     </a:solidFill>
@@ -10495,7 +10495,7 @@
               </a:ln>
               <a:extLst>
                 <a:ext uri="{91240B29-F687-4f45-9708-019B960494DF}">
-                  <a14:hiddenLine xmlns:a14="http://schemas.microsoft.com/office/drawing/2010/main" xmlns="" w="9525">
+                  <a14:hiddenLine xmlns="" xmlns:a14="http://schemas.microsoft.com/office/drawing/2010/main" w="9525">
                     <a:solidFill>
                       <a:srgbClr val="000000"/>
                     </a:solidFill>
@@ -10585,7 +10585,7 @@
               </a:ln>
               <a:extLst>
                 <a:ext uri="{91240B29-F687-4f45-9708-019B960494DF}">
-                  <a14:hiddenLine xmlns:a14="http://schemas.microsoft.com/office/drawing/2010/main" xmlns="" w="9525">
+                  <a14:hiddenLine xmlns="" xmlns:a14="http://schemas.microsoft.com/office/drawing/2010/main" w="9525">
                     <a:solidFill>
                       <a:srgbClr val="000000"/>
                     </a:solidFill>
@@ -10650,7 +10650,7 @@
               </a:ln>
               <a:extLst>
                 <a:ext uri="{91240B29-F687-4f45-9708-019B960494DF}">
-                  <a14:hiddenLine xmlns:a14="http://schemas.microsoft.com/office/drawing/2010/main" xmlns="" w="9525">
+                  <a14:hiddenLine xmlns="" xmlns:a14="http://schemas.microsoft.com/office/drawing/2010/main" w="9525">
                     <a:solidFill>
                       <a:srgbClr val="000000"/>
                     </a:solidFill>
@@ -10712,7 +10712,7 @@
               </a:ln>
               <a:extLst>
                 <a:ext uri="{91240B29-F687-4f45-9708-019B960494DF}">
-                  <a14:hiddenLine xmlns:a14="http://schemas.microsoft.com/office/drawing/2010/main" xmlns="" w="9525">
+                  <a14:hiddenLine xmlns="" xmlns:a14="http://schemas.microsoft.com/office/drawing/2010/main" w="9525">
                     <a:solidFill>
                       <a:srgbClr val="000000"/>
                     </a:solidFill>
@@ -10802,7 +10802,7 @@
               </a:ln>
               <a:extLst>
                 <a:ext uri="{91240B29-F687-4f45-9708-019B960494DF}">
-                  <a14:hiddenLine xmlns:a14="http://schemas.microsoft.com/office/drawing/2010/main" xmlns="" w="9525">
+                  <a14:hiddenLine xmlns="" xmlns:a14="http://schemas.microsoft.com/office/drawing/2010/main" w="9525">
                     <a:solidFill>
                       <a:srgbClr val="000000"/>
                     </a:solidFill>
@@ -10892,7 +10892,7 @@
               </a:ln>
               <a:extLst>
                 <a:ext uri="{91240B29-F687-4f45-9708-019B960494DF}">
-                  <a14:hiddenLine xmlns:a14="http://schemas.microsoft.com/office/drawing/2010/main" xmlns="" w="9525">
+                  <a14:hiddenLine xmlns="" xmlns:a14="http://schemas.microsoft.com/office/drawing/2010/main" w="9525">
                     <a:solidFill>
                       <a:srgbClr val="000000"/>
                     </a:solidFill>
@@ -10957,7 +10957,7 @@
               </a:ln>
               <a:extLst>
                 <a:ext uri="{91240B29-F687-4f45-9708-019B960494DF}">
-                  <a14:hiddenLine xmlns:a14="http://schemas.microsoft.com/office/drawing/2010/main" xmlns="" w="9525">
+                  <a14:hiddenLine xmlns="" xmlns:a14="http://schemas.microsoft.com/office/drawing/2010/main" w="9525">
                     <a:solidFill>
                       <a:srgbClr val="000000"/>
                     </a:solidFill>
@@ -11077,7 +11077,7 @@
               </a:ln>
               <a:extLst>
                 <a:ext uri="{91240B29-F687-4f45-9708-019B960494DF}">
-                  <a14:hiddenLine xmlns:a14="http://schemas.microsoft.com/office/drawing/2010/main" xmlns="" w="9525">
+                  <a14:hiddenLine xmlns="" xmlns:a14="http://schemas.microsoft.com/office/drawing/2010/main" w="9525">
                     <a:solidFill>
                       <a:srgbClr val="000000"/>
                     </a:solidFill>
@@ -11175,7 +11175,7 @@
               </a:ln>
               <a:extLst>
                 <a:ext uri="{91240B29-F687-4f45-9708-019B960494DF}">
-                  <a14:hiddenLine xmlns:a14="http://schemas.microsoft.com/office/drawing/2010/main" xmlns="" w="9525">
+                  <a14:hiddenLine xmlns="" xmlns:a14="http://schemas.microsoft.com/office/drawing/2010/main" w="9525">
                     <a:solidFill>
                       <a:srgbClr val="000000"/>
                     </a:solidFill>
@@ -11290,7 +11290,7 @@
               </a:ln>
               <a:extLst>
                 <a:ext uri="{91240B29-F687-4f45-9708-019B960494DF}">
-                  <a14:hiddenLine xmlns:a14="http://schemas.microsoft.com/office/drawing/2010/main" xmlns="" w="9525">
+                  <a14:hiddenLine xmlns="" xmlns:a14="http://schemas.microsoft.com/office/drawing/2010/main" w="9525">
                     <a:solidFill>
                       <a:srgbClr val="000000"/>
                     </a:solidFill>
@@ -11380,7 +11380,7 @@
               </a:ln>
               <a:extLst>
                 <a:ext uri="{91240B29-F687-4f45-9708-019B960494DF}">
-                  <a14:hiddenLine xmlns:a14="http://schemas.microsoft.com/office/drawing/2010/main" xmlns="" w="9525">
+                  <a14:hiddenLine xmlns="" xmlns:a14="http://schemas.microsoft.com/office/drawing/2010/main" w="9525">
                     <a:solidFill>
                       <a:srgbClr val="000000"/>
                     </a:solidFill>
@@ -11445,7 +11445,7 @@
               </a:ln>
               <a:extLst>
                 <a:ext uri="{91240B29-F687-4f45-9708-019B960494DF}">
-                  <a14:hiddenLine xmlns:a14="http://schemas.microsoft.com/office/drawing/2010/main" xmlns="" w="9525">
+                  <a14:hiddenLine xmlns="" xmlns:a14="http://schemas.microsoft.com/office/drawing/2010/main" w="9525">
                     <a:solidFill>
                       <a:srgbClr val="000000"/>
                     </a:solidFill>
@@ -11535,7 +11535,7 @@
               </a:ln>
               <a:extLst>
                 <a:ext uri="{91240B29-F687-4f45-9708-019B960494DF}">
-                  <a14:hiddenLine xmlns:a14="http://schemas.microsoft.com/office/drawing/2010/main" xmlns="" w="9525">
+                  <a14:hiddenLine xmlns="" xmlns:a14="http://schemas.microsoft.com/office/drawing/2010/main" w="9525">
                     <a:solidFill>
                       <a:srgbClr val="000000"/>
                     </a:solidFill>
@@ -11603,7 +11603,7 @@
               </a:ln>
               <a:extLst>
                 <a:ext uri="{91240B29-F687-4f45-9708-019B960494DF}">
-                  <a14:hiddenLine xmlns:a14="http://schemas.microsoft.com/office/drawing/2010/main" xmlns="" w="9525">
+                  <a14:hiddenLine xmlns="" xmlns:a14="http://schemas.microsoft.com/office/drawing/2010/main" w="9525">
                     <a:solidFill>
                       <a:srgbClr val="000000"/>
                     </a:solidFill>
@@ -11693,7 +11693,7 @@
               </a:ln>
               <a:extLst>
                 <a:ext uri="{91240B29-F687-4f45-9708-019B960494DF}">
-                  <a14:hiddenLine xmlns:a14="http://schemas.microsoft.com/office/drawing/2010/main" xmlns="" w="9525">
+                  <a14:hiddenLine xmlns="" xmlns:a14="http://schemas.microsoft.com/office/drawing/2010/main" w="9525">
                     <a:solidFill>
                       <a:srgbClr val="000000"/>
                     </a:solidFill>
@@ -11761,7 +11761,7 @@
               </a:ln>
               <a:extLst>
                 <a:ext uri="{91240B29-F687-4f45-9708-019B960494DF}">
-                  <a14:hiddenLine xmlns:a14="http://schemas.microsoft.com/office/drawing/2010/main" xmlns="" w="9525">
+                  <a14:hiddenLine xmlns="" xmlns:a14="http://schemas.microsoft.com/office/drawing/2010/main" w="9525">
                     <a:solidFill>
                       <a:srgbClr val="000000"/>
                     </a:solidFill>
@@ -11851,7 +11851,7 @@
               </a:ln>
               <a:extLst>
                 <a:ext uri="{91240B29-F687-4f45-9708-019B960494DF}">
-                  <a14:hiddenLine xmlns:a14="http://schemas.microsoft.com/office/drawing/2010/main" xmlns="" w="9525">
+                  <a14:hiddenLine xmlns="" xmlns:a14="http://schemas.microsoft.com/office/drawing/2010/main" w="9525">
                     <a:solidFill>
                       <a:srgbClr val="000000"/>
                     </a:solidFill>
@@ -11885,7 +11885,7 @@
               </a:ln>
               <a:extLst>
                 <a:ext uri="{91240B29-F687-4f45-9708-019B960494DF}">
-                  <a14:hiddenLine xmlns:a14="http://schemas.microsoft.com/office/drawing/2010/main" xmlns="" w="9525">
+                  <a14:hiddenLine xmlns="" xmlns:a14="http://schemas.microsoft.com/office/drawing/2010/main" w="9525">
                     <a:solidFill>
                       <a:srgbClr val="000000"/>
                     </a:solidFill>
@@ -12025,7 +12025,7 @@
           <a:p>
             <a:fld id="{D4E90F3C-DA03-4783-9265-B1AEEE465DC7}" type="datetimeFigureOut">
               <a:rPr lang="fr-FR" smtClean="0"/>
-              <a:t>16/02/2024</a:t>
+              <a:t>19/02/2024</a:t>
             </a:fld>
             <a:endParaRPr lang="fr-FR"/>
           </a:p>

--- a/revue de projet Quentin Dida-Juhel.pptx
+++ b/revue de projet Quentin Dida-Juhel.pptx
@@ -14,7 +14,9 @@
     <p:sldId id="261" r:id="rId8"/>
     <p:sldId id="260" r:id="rId9"/>
     <p:sldId id="262" r:id="rId10"/>
-    <p:sldId id="263" r:id="rId11"/>
+    <p:sldId id="267" r:id="rId11"/>
+    <p:sldId id="266" r:id="rId12"/>
+    <p:sldId id="263" r:id="rId13"/>
   </p:sldIdLst>
   <p:sldSz cx="12192000" cy="6858000"/>
   <p:notesSz cx="6858000" cy="9144000"/>
@@ -171,7 +173,7 @@
           <a:noFill/>
           <a:extLst>
             <a:ext uri="{909E8E84-426E-40dd-AFC4-6F175D3DCCD1}">
-              <a14:hiddenFill xmlns="" xmlns:a14="http://schemas.microsoft.com/office/drawing/2010/main">
+              <a14:hiddenFill xmlns:a14="http://schemas.microsoft.com/office/drawing/2010/main" xmlns="">
                 <a:solidFill>
                   <a:srgbClr val="FFFFFF"/>
                 </a:solidFill>
@@ -231,7 +233,7 @@
             </a:ln>
             <a:extLst>
               <a:ext uri="{91240B29-F687-4f45-9708-019B960494DF}">
-                <a14:hiddenLine xmlns="" xmlns:a14="http://schemas.microsoft.com/office/drawing/2010/main" w="9525">
+                <a14:hiddenLine xmlns:a14="http://schemas.microsoft.com/office/drawing/2010/main" xmlns="" w="9525">
                   <a:solidFill>
                     <a:srgbClr val="000000"/>
                   </a:solidFill>
@@ -321,7 +323,7 @@
             </a:ln>
             <a:extLst>
               <a:ext uri="{91240B29-F687-4f45-9708-019B960494DF}">
-                <a14:hiddenLine xmlns="" xmlns:a14="http://schemas.microsoft.com/office/drawing/2010/main" w="9525">
+                <a14:hiddenLine xmlns:a14="http://schemas.microsoft.com/office/drawing/2010/main" xmlns="" w="9525">
                   <a:solidFill>
                     <a:srgbClr val="000000"/>
                   </a:solidFill>
@@ -411,7 +413,7 @@
             </a:ln>
             <a:extLst>
               <a:ext uri="{91240B29-F687-4f45-9708-019B960494DF}">
-                <a14:hiddenLine xmlns="" xmlns:a14="http://schemas.microsoft.com/office/drawing/2010/main" w="9525">
+                <a14:hiddenLine xmlns:a14="http://schemas.microsoft.com/office/drawing/2010/main" xmlns="" w="9525">
                   <a:solidFill>
                     <a:srgbClr val="000000"/>
                   </a:solidFill>
@@ -445,7 +447,7 @@
             </a:ln>
             <a:extLst>
               <a:ext uri="{91240B29-F687-4f45-9708-019B960494DF}">
-                <a14:hiddenLine xmlns="" xmlns:a14="http://schemas.microsoft.com/office/drawing/2010/main" w="9525">
+                <a14:hiddenLine xmlns:a14="http://schemas.microsoft.com/office/drawing/2010/main" xmlns="" w="9525">
                   <a:solidFill>
                     <a:srgbClr val="000000"/>
                   </a:solidFill>
@@ -535,7 +537,7 @@
             </a:ln>
             <a:extLst>
               <a:ext uri="{91240B29-F687-4f45-9708-019B960494DF}">
-                <a14:hiddenLine xmlns="" xmlns:a14="http://schemas.microsoft.com/office/drawing/2010/main" w="9525">
+                <a14:hiddenLine xmlns:a14="http://schemas.microsoft.com/office/drawing/2010/main" xmlns="" w="9525">
                   <a:solidFill>
                     <a:srgbClr val="000000"/>
                   </a:solidFill>
@@ -597,7 +599,7 @@
             </a:ln>
             <a:extLst>
               <a:ext uri="{91240B29-F687-4f45-9708-019B960494DF}">
-                <a14:hiddenLine xmlns="" xmlns:a14="http://schemas.microsoft.com/office/drawing/2010/main" w="9525">
+                <a14:hiddenLine xmlns:a14="http://schemas.microsoft.com/office/drawing/2010/main" xmlns="" w="9525">
                   <a:solidFill>
                     <a:srgbClr val="000000"/>
                   </a:solidFill>
@@ -659,7 +661,7 @@
             </a:ln>
             <a:extLst>
               <a:ext uri="{91240B29-F687-4f45-9708-019B960494DF}">
-                <a14:hiddenLine xmlns="" xmlns:a14="http://schemas.microsoft.com/office/drawing/2010/main" w="9525">
+                <a14:hiddenLine xmlns:a14="http://schemas.microsoft.com/office/drawing/2010/main" xmlns="" w="9525">
                   <a:solidFill>
                     <a:srgbClr val="000000"/>
                   </a:solidFill>
@@ -749,7 +751,7 @@
             </a:ln>
             <a:extLst>
               <a:ext uri="{91240B29-F687-4f45-9708-019B960494DF}">
-                <a14:hiddenLine xmlns="" xmlns:a14="http://schemas.microsoft.com/office/drawing/2010/main" w="9525">
+                <a14:hiddenLine xmlns:a14="http://schemas.microsoft.com/office/drawing/2010/main" xmlns="" w="9525">
                   <a:solidFill>
                     <a:srgbClr val="000000"/>
                   </a:solidFill>
@@ -811,7 +813,7 @@
             </a:ln>
             <a:extLst>
               <a:ext uri="{91240B29-F687-4f45-9708-019B960494DF}">
-                <a14:hiddenLine xmlns="" xmlns:a14="http://schemas.microsoft.com/office/drawing/2010/main" w="9525">
+                <a14:hiddenLine xmlns:a14="http://schemas.microsoft.com/office/drawing/2010/main" xmlns="" w="9525">
                   <a:solidFill>
                     <a:srgbClr val="000000"/>
                   </a:solidFill>
@@ -873,7 +875,7 @@
             </a:ln>
             <a:extLst>
               <a:ext uri="{91240B29-F687-4f45-9708-019B960494DF}">
-                <a14:hiddenLine xmlns="" xmlns:a14="http://schemas.microsoft.com/office/drawing/2010/main" w="9525">
+                <a14:hiddenLine xmlns:a14="http://schemas.microsoft.com/office/drawing/2010/main" xmlns="" w="9525">
                   <a:solidFill>
                     <a:srgbClr val="000000"/>
                   </a:solidFill>
@@ -963,7 +965,7 @@
             </a:ln>
             <a:extLst>
               <a:ext uri="{91240B29-F687-4f45-9708-019B960494DF}">
-                <a14:hiddenLine xmlns="" xmlns:a14="http://schemas.microsoft.com/office/drawing/2010/main" w="9525">
+                <a14:hiddenLine xmlns:a14="http://schemas.microsoft.com/office/drawing/2010/main" xmlns="" w="9525">
                   <a:solidFill>
                     <a:srgbClr val="000000"/>
                   </a:solidFill>
@@ -1053,7 +1055,7 @@
             </a:ln>
             <a:extLst>
               <a:ext uri="{91240B29-F687-4f45-9708-019B960494DF}">
-                <a14:hiddenLine xmlns="" xmlns:a14="http://schemas.microsoft.com/office/drawing/2010/main" w="9525">
+                <a14:hiddenLine xmlns:a14="http://schemas.microsoft.com/office/drawing/2010/main" xmlns="" w="9525">
                   <a:solidFill>
                     <a:srgbClr val="000000"/>
                   </a:solidFill>
@@ -1115,7 +1117,7 @@
             </a:ln>
             <a:extLst>
               <a:ext uri="{91240B29-F687-4f45-9708-019B960494DF}">
-                <a14:hiddenLine xmlns="" xmlns:a14="http://schemas.microsoft.com/office/drawing/2010/main" w="9525">
+                <a14:hiddenLine xmlns:a14="http://schemas.microsoft.com/office/drawing/2010/main" xmlns="" w="9525">
                   <a:solidFill>
                     <a:srgbClr val="000000"/>
                   </a:solidFill>
@@ -1225,7 +1227,7 @@
             </a:ln>
             <a:extLst>
               <a:ext uri="{91240B29-F687-4f45-9708-019B960494DF}">
-                <a14:hiddenLine xmlns="" xmlns:a14="http://schemas.microsoft.com/office/drawing/2010/main" w="9525">
+                <a14:hiddenLine xmlns:a14="http://schemas.microsoft.com/office/drawing/2010/main" xmlns="" w="9525">
                   <a:solidFill>
                     <a:srgbClr val="000000"/>
                   </a:solidFill>
@@ -1287,7 +1289,7 @@
             </a:ln>
             <a:extLst>
               <a:ext uri="{91240B29-F687-4f45-9708-019B960494DF}">
-                <a14:hiddenLine xmlns="" xmlns:a14="http://schemas.microsoft.com/office/drawing/2010/main" w="9525">
+                <a14:hiddenLine xmlns:a14="http://schemas.microsoft.com/office/drawing/2010/main" xmlns="" w="9525">
                   <a:solidFill>
                     <a:srgbClr val="000000"/>
                   </a:solidFill>
@@ -1377,7 +1379,7 @@
             </a:ln>
             <a:extLst>
               <a:ext uri="{91240B29-F687-4f45-9708-019B960494DF}">
-                <a14:hiddenLine xmlns="" xmlns:a14="http://schemas.microsoft.com/office/drawing/2010/main" w="9525">
+                <a14:hiddenLine xmlns:a14="http://schemas.microsoft.com/office/drawing/2010/main" xmlns="" w="9525">
                   <a:solidFill>
                     <a:srgbClr val="000000"/>
                   </a:solidFill>
@@ -1467,7 +1469,7 @@
             </a:ln>
             <a:extLst>
               <a:ext uri="{91240B29-F687-4f45-9708-019B960494DF}">
-                <a14:hiddenLine xmlns="" xmlns:a14="http://schemas.microsoft.com/office/drawing/2010/main" w="9525">
+                <a14:hiddenLine xmlns:a14="http://schemas.microsoft.com/office/drawing/2010/main" xmlns="" w="9525">
                   <a:solidFill>
                     <a:srgbClr val="000000"/>
                   </a:solidFill>
@@ -1529,7 +1531,7 @@
             </a:ln>
             <a:extLst>
               <a:ext uri="{91240B29-F687-4f45-9708-019B960494DF}">
-                <a14:hiddenLine xmlns="" xmlns:a14="http://schemas.microsoft.com/office/drawing/2010/main" w="9525">
+                <a14:hiddenLine xmlns:a14="http://schemas.microsoft.com/office/drawing/2010/main" xmlns="" w="9525">
                   <a:solidFill>
                     <a:srgbClr val="000000"/>
                   </a:solidFill>
@@ -1619,7 +1621,7 @@
             </a:ln>
             <a:extLst>
               <a:ext uri="{91240B29-F687-4f45-9708-019B960494DF}">
-                <a14:hiddenLine xmlns="" xmlns:a14="http://schemas.microsoft.com/office/drawing/2010/main" w="9525">
+                <a14:hiddenLine xmlns:a14="http://schemas.microsoft.com/office/drawing/2010/main" xmlns="" w="9525">
                   <a:solidFill>
                     <a:srgbClr val="000000"/>
                   </a:solidFill>
@@ -1709,7 +1711,7 @@
             </a:ln>
             <a:extLst>
               <a:ext uri="{91240B29-F687-4f45-9708-019B960494DF}">
-                <a14:hiddenLine xmlns="" xmlns:a14="http://schemas.microsoft.com/office/drawing/2010/main" w="9525">
+                <a14:hiddenLine xmlns:a14="http://schemas.microsoft.com/office/drawing/2010/main" xmlns="" w="9525">
                   <a:solidFill>
                     <a:srgbClr val="000000"/>
                   </a:solidFill>
@@ -1765,7 +1767,7 @@
             </a:ln>
             <a:extLst>
               <a:ext uri="{91240B29-F687-4f45-9708-019B960494DF}">
-                <a14:hiddenLine xmlns="" xmlns:a14="http://schemas.microsoft.com/office/drawing/2010/main" w="9525">
+                <a14:hiddenLine xmlns:a14="http://schemas.microsoft.com/office/drawing/2010/main" xmlns="" w="9525">
                   <a:solidFill>
                     <a:srgbClr val="000000"/>
                   </a:solidFill>
@@ -1855,7 +1857,7 @@
             </a:ln>
             <a:extLst>
               <a:ext uri="{91240B29-F687-4f45-9708-019B960494DF}">
-                <a14:hiddenLine xmlns="" xmlns:a14="http://schemas.microsoft.com/office/drawing/2010/main" w="9525">
+                <a14:hiddenLine xmlns:a14="http://schemas.microsoft.com/office/drawing/2010/main" xmlns="" w="9525">
                   <a:solidFill>
                     <a:srgbClr val="000000"/>
                   </a:solidFill>
@@ -1911,7 +1913,7 @@
             </a:ln>
             <a:extLst>
               <a:ext uri="{91240B29-F687-4f45-9708-019B960494DF}">
-                <a14:hiddenLine xmlns="" xmlns:a14="http://schemas.microsoft.com/office/drawing/2010/main" w="9525">
+                <a14:hiddenLine xmlns:a14="http://schemas.microsoft.com/office/drawing/2010/main" xmlns="" w="9525">
                   <a:solidFill>
                     <a:srgbClr val="000000"/>
                   </a:solidFill>
@@ -2001,7 +2003,7 @@
             </a:ln>
             <a:extLst>
               <a:ext uri="{91240B29-F687-4f45-9708-019B960494DF}">
-                <a14:hiddenLine xmlns="" xmlns:a14="http://schemas.microsoft.com/office/drawing/2010/main" w="9525">
+                <a14:hiddenLine xmlns:a14="http://schemas.microsoft.com/office/drawing/2010/main" xmlns="" w="9525">
                   <a:solidFill>
                     <a:srgbClr val="000000"/>
                   </a:solidFill>
@@ -2069,7 +2071,7 @@
             </a:ln>
             <a:extLst>
               <a:ext uri="{91240B29-F687-4f45-9708-019B960494DF}">
-                <a14:hiddenLine xmlns="" xmlns:a14="http://schemas.microsoft.com/office/drawing/2010/main" w="9525">
+                <a14:hiddenLine xmlns:a14="http://schemas.microsoft.com/office/drawing/2010/main" xmlns="" w="9525">
                   <a:solidFill>
                     <a:srgbClr val="000000"/>
                   </a:solidFill>
@@ -2159,7 +2161,7 @@
             </a:ln>
             <a:extLst>
               <a:ext uri="{91240B29-F687-4f45-9708-019B960494DF}">
-                <a14:hiddenLine xmlns="" xmlns:a14="http://schemas.microsoft.com/office/drawing/2010/main" w="9525">
+                <a14:hiddenLine xmlns:a14="http://schemas.microsoft.com/office/drawing/2010/main" xmlns="" w="9525">
                   <a:solidFill>
                     <a:srgbClr val="000000"/>
                   </a:solidFill>
@@ -2227,7 +2229,7 @@
             </a:ln>
             <a:extLst>
               <a:ext uri="{91240B29-F687-4f45-9708-019B960494DF}">
-                <a14:hiddenLine xmlns="" xmlns:a14="http://schemas.microsoft.com/office/drawing/2010/main" w="9525">
+                <a14:hiddenLine xmlns:a14="http://schemas.microsoft.com/office/drawing/2010/main" xmlns="" w="9525">
                   <a:solidFill>
                     <a:srgbClr val="000000"/>
                   </a:solidFill>
@@ -2317,7 +2319,7 @@
             </a:ln>
             <a:extLst>
               <a:ext uri="{91240B29-F687-4f45-9708-019B960494DF}">
-                <a14:hiddenLine xmlns="" xmlns:a14="http://schemas.microsoft.com/office/drawing/2010/main" w="9525">
+                <a14:hiddenLine xmlns:a14="http://schemas.microsoft.com/office/drawing/2010/main" xmlns="" w="9525">
                   <a:solidFill>
                     <a:srgbClr val="000000"/>
                   </a:solidFill>
@@ -2351,7 +2353,7 @@
             </a:ln>
             <a:extLst>
               <a:ext uri="{91240B29-F687-4f45-9708-019B960494DF}">
-                <a14:hiddenLine xmlns="" xmlns:a14="http://schemas.microsoft.com/office/drawing/2010/main" w="9525">
+                <a14:hiddenLine xmlns:a14="http://schemas.microsoft.com/office/drawing/2010/main" xmlns="" w="9525">
                   <a:solidFill>
                     <a:srgbClr val="000000"/>
                   </a:solidFill>
@@ -2441,7 +2443,7 @@
             </a:ln>
             <a:extLst>
               <a:ext uri="{91240B29-F687-4f45-9708-019B960494DF}">
-                <a14:hiddenLine xmlns="" xmlns:a14="http://schemas.microsoft.com/office/drawing/2010/main" w="9525">
+                <a14:hiddenLine xmlns:a14="http://schemas.microsoft.com/office/drawing/2010/main" xmlns="" w="9525">
                   <a:solidFill>
                     <a:srgbClr val="000000"/>
                   </a:solidFill>
@@ -2503,7 +2505,7 @@
             </a:ln>
             <a:extLst>
               <a:ext uri="{91240B29-F687-4f45-9708-019B960494DF}">
-                <a14:hiddenLine xmlns="" xmlns:a14="http://schemas.microsoft.com/office/drawing/2010/main" w="9525">
+                <a14:hiddenLine xmlns:a14="http://schemas.microsoft.com/office/drawing/2010/main" xmlns="" w="9525">
                   <a:solidFill>
                     <a:srgbClr val="000000"/>
                   </a:solidFill>
@@ -2565,7 +2567,7 @@
             </a:ln>
             <a:extLst>
               <a:ext uri="{91240B29-F687-4f45-9708-019B960494DF}">
-                <a14:hiddenLine xmlns="" xmlns:a14="http://schemas.microsoft.com/office/drawing/2010/main" w="9525">
+                <a14:hiddenLine xmlns:a14="http://schemas.microsoft.com/office/drawing/2010/main" xmlns="" w="9525">
                   <a:solidFill>
                     <a:srgbClr val="000000"/>
                   </a:solidFill>
@@ -2655,7 +2657,7 @@
             </a:ln>
             <a:extLst>
               <a:ext uri="{91240B29-F687-4f45-9708-019B960494DF}">
-                <a14:hiddenLine xmlns="" xmlns:a14="http://schemas.microsoft.com/office/drawing/2010/main" w="9525">
+                <a14:hiddenLine xmlns:a14="http://schemas.microsoft.com/office/drawing/2010/main" xmlns="" w="9525">
                   <a:solidFill>
                     <a:srgbClr val="000000"/>
                   </a:solidFill>
@@ -2723,7 +2725,7 @@
             </a:ln>
             <a:extLst>
               <a:ext uri="{91240B29-F687-4f45-9708-019B960494DF}">
-                <a14:hiddenLine xmlns="" xmlns:a14="http://schemas.microsoft.com/office/drawing/2010/main" w="9525">
+                <a14:hiddenLine xmlns:a14="http://schemas.microsoft.com/office/drawing/2010/main" xmlns="" w="9525">
                   <a:solidFill>
                     <a:srgbClr val="000000"/>
                   </a:solidFill>
@@ -2785,7 +2787,7 @@
             </a:ln>
             <a:extLst>
               <a:ext uri="{91240B29-F687-4f45-9708-019B960494DF}">
-                <a14:hiddenLine xmlns="" xmlns:a14="http://schemas.microsoft.com/office/drawing/2010/main" w="9525">
+                <a14:hiddenLine xmlns:a14="http://schemas.microsoft.com/office/drawing/2010/main" xmlns="" w="9525">
                   <a:solidFill>
                     <a:srgbClr val="000000"/>
                   </a:solidFill>
@@ -2875,7 +2877,7 @@
             </a:ln>
             <a:extLst>
               <a:ext uri="{91240B29-F687-4f45-9708-019B960494DF}">
-                <a14:hiddenLine xmlns="" xmlns:a14="http://schemas.microsoft.com/office/drawing/2010/main" w="9525">
+                <a14:hiddenLine xmlns:a14="http://schemas.microsoft.com/office/drawing/2010/main" xmlns="" w="9525">
                   <a:solidFill>
                     <a:srgbClr val="000000"/>
                   </a:solidFill>
@@ -2937,7 +2939,7 @@
             </a:ln>
             <a:extLst>
               <a:ext uri="{91240B29-F687-4f45-9708-019B960494DF}">
-                <a14:hiddenLine xmlns="" xmlns:a14="http://schemas.microsoft.com/office/drawing/2010/main" w="9525">
+                <a14:hiddenLine xmlns:a14="http://schemas.microsoft.com/office/drawing/2010/main" xmlns="" w="9525">
                   <a:solidFill>
                     <a:srgbClr val="000000"/>
                   </a:solidFill>
@@ -3027,7 +3029,7 @@
             </a:ln>
             <a:extLst>
               <a:ext uri="{91240B29-F687-4f45-9708-019B960494DF}">
-                <a14:hiddenLine xmlns="" xmlns:a14="http://schemas.microsoft.com/office/drawing/2010/main" w="9525">
+                <a14:hiddenLine xmlns:a14="http://schemas.microsoft.com/office/drawing/2010/main" xmlns="" w="9525">
                   <a:solidFill>
                     <a:srgbClr val="000000"/>
                   </a:solidFill>
@@ -3089,7 +3091,7 @@
             </a:ln>
             <a:extLst>
               <a:ext uri="{91240B29-F687-4f45-9708-019B960494DF}">
-                <a14:hiddenLine xmlns="" xmlns:a14="http://schemas.microsoft.com/office/drawing/2010/main" w="9525">
+                <a14:hiddenLine xmlns:a14="http://schemas.microsoft.com/office/drawing/2010/main" xmlns="" w="9525">
                   <a:solidFill>
                     <a:srgbClr val="000000"/>
                   </a:solidFill>
@@ -3179,7 +3181,7 @@
             </a:ln>
             <a:extLst>
               <a:ext uri="{91240B29-F687-4f45-9708-019B960494DF}">
-                <a14:hiddenLine xmlns="" xmlns:a14="http://schemas.microsoft.com/office/drawing/2010/main" w="9525">
+                <a14:hiddenLine xmlns:a14="http://schemas.microsoft.com/office/drawing/2010/main" xmlns="" w="9525">
                   <a:solidFill>
                     <a:srgbClr val="000000"/>
                   </a:solidFill>
@@ -3213,7 +3215,7 @@
             </a:ln>
             <a:extLst>
               <a:ext uri="{91240B29-F687-4f45-9708-019B960494DF}">
-                <a14:hiddenLine xmlns="" xmlns:a14="http://schemas.microsoft.com/office/drawing/2010/main" w="9525">
+                <a14:hiddenLine xmlns:a14="http://schemas.microsoft.com/office/drawing/2010/main" xmlns="" w="9525">
                   <a:solidFill>
                     <a:srgbClr val="000000"/>
                   </a:solidFill>
@@ -3278,7 +3280,7 @@
             </a:ln>
             <a:extLst>
               <a:ext uri="{91240B29-F687-4f45-9708-019B960494DF}">
-                <a14:hiddenLine xmlns="" xmlns:a14="http://schemas.microsoft.com/office/drawing/2010/main" w="9525">
+                <a14:hiddenLine xmlns:a14="http://schemas.microsoft.com/office/drawing/2010/main" xmlns="" w="9525">
                   <a:solidFill>
                     <a:srgbClr val="000000"/>
                   </a:solidFill>
@@ -3368,7 +3370,7 @@
             </a:ln>
             <a:extLst>
               <a:ext uri="{91240B29-F687-4f45-9708-019B960494DF}">
-                <a14:hiddenLine xmlns="" xmlns:a14="http://schemas.microsoft.com/office/drawing/2010/main" w="9525">
+                <a14:hiddenLine xmlns:a14="http://schemas.microsoft.com/office/drawing/2010/main" xmlns="" w="9525">
                   <a:solidFill>
                     <a:srgbClr val="000000"/>
                   </a:solidFill>
@@ -3430,7 +3432,7 @@
             </a:ln>
             <a:extLst>
               <a:ext uri="{91240B29-F687-4f45-9708-019B960494DF}">
-                <a14:hiddenLine xmlns="" xmlns:a14="http://schemas.microsoft.com/office/drawing/2010/main" w="9525">
+                <a14:hiddenLine xmlns:a14="http://schemas.microsoft.com/office/drawing/2010/main" xmlns="" w="9525">
                   <a:solidFill>
                     <a:srgbClr val="000000"/>
                   </a:solidFill>
@@ -3520,7 +3522,7 @@
             </a:ln>
             <a:extLst>
               <a:ext uri="{91240B29-F687-4f45-9708-019B960494DF}">
-                <a14:hiddenLine xmlns="" xmlns:a14="http://schemas.microsoft.com/office/drawing/2010/main" w="9525">
+                <a14:hiddenLine xmlns:a14="http://schemas.microsoft.com/office/drawing/2010/main" xmlns="" w="9525">
                   <a:solidFill>
                     <a:srgbClr val="000000"/>
                   </a:solidFill>
@@ -3610,7 +3612,7 @@
             </a:ln>
             <a:extLst>
               <a:ext uri="{91240B29-F687-4f45-9708-019B960494DF}">
-                <a14:hiddenLine xmlns="" xmlns:a14="http://schemas.microsoft.com/office/drawing/2010/main" w="9525">
+                <a14:hiddenLine xmlns:a14="http://schemas.microsoft.com/office/drawing/2010/main" xmlns="" w="9525">
                   <a:solidFill>
                     <a:srgbClr val="000000"/>
                   </a:solidFill>
@@ -3675,7 +3677,7 @@
             </a:ln>
             <a:extLst>
               <a:ext uri="{91240B29-F687-4f45-9708-019B960494DF}">
-                <a14:hiddenLine xmlns="" xmlns:a14="http://schemas.microsoft.com/office/drawing/2010/main" w="9525">
+                <a14:hiddenLine xmlns:a14="http://schemas.microsoft.com/office/drawing/2010/main" xmlns="" w="9525">
                   <a:solidFill>
                     <a:srgbClr val="000000"/>
                   </a:solidFill>
@@ -3737,7 +3739,7 @@
             </a:ln>
             <a:extLst>
               <a:ext uri="{91240B29-F687-4f45-9708-019B960494DF}">
-                <a14:hiddenLine xmlns="" xmlns:a14="http://schemas.microsoft.com/office/drawing/2010/main" w="9525">
+                <a14:hiddenLine xmlns:a14="http://schemas.microsoft.com/office/drawing/2010/main" xmlns="" w="9525">
                   <a:solidFill>
                     <a:srgbClr val="000000"/>
                   </a:solidFill>
@@ -3827,7 +3829,7 @@
             </a:ln>
             <a:extLst>
               <a:ext uri="{91240B29-F687-4f45-9708-019B960494DF}">
-                <a14:hiddenLine xmlns="" xmlns:a14="http://schemas.microsoft.com/office/drawing/2010/main" w="9525">
+                <a14:hiddenLine xmlns:a14="http://schemas.microsoft.com/office/drawing/2010/main" xmlns="" w="9525">
                   <a:solidFill>
                     <a:srgbClr val="000000"/>
                   </a:solidFill>
@@ -3917,7 +3919,7 @@
             </a:ln>
             <a:extLst>
               <a:ext uri="{91240B29-F687-4f45-9708-019B960494DF}">
-                <a14:hiddenLine xmlns="" xmlns:a14="http://schemas.microsoft.com/office/drawing/2010/main" w="9525">
+                <a14:hiddenLine xmlns:a14="http://schemas.microsoft.com/office/drawing/2010/main" xmlns="" w="9525">
                   <a:solidFill>
                     <a:srgbClr val="000000"/>
                   </a:solidFill>
@@ -3979,7 +3981,7 @@
             </a:ln>
             <a:extLst>
               <a:ext uri="{91240B29-F687-4f45-9708-019B960494DF}">
-                <a14:hiddenLine xmlns="" xmlns:a14="http://schemas.microsoft.com/office/drawing/2010/main" w="9525">
+                <a14:hiddenLine xmlns:a14="http://schemas.microsoft.com/office/drawing/2010/main" xmlns="" w="9525">
                   <a:solidFill>
                     <a:srgbClr val="000000"/>
                   </a:solidFill>
@@ -4099,7 +4101,7 @@
             </a:ln>
             <a:extLst>
               <a:ext uri="{91240B29-F687-4f45-9708-019B960494DF}">
-                <a14:hiddenLine xmlns="" xmlns:a14="http://schemas.microsoft.com/office/drawing/2010/main" w="9525">
+                <a14:hiddenLine xmlns:a14="http://schemas.microsoft.com/office/drawing/2010/main" xmlns="" w="9525">
                   <a:solidFill>
                     <a:srgbClr val="000000"/>
                   </a:solidFill>
@@ -4167,7 +4169,7 @@
             </a:ln>
             <a:extLst>
               <a:ext uri="{91240B29-F687-4f45-9708-019B960494DF}">
-                <a14:hiddenLine xmlns="" xmlns:a14="http://schemas.microsoft.com/office/drawing/2010/main" w="9525">
+                <a14:hiddenLine xmlns:a14="http://schemas.microsoft.com/office/drawing/2010/main" xmlns="" w="9525">
                   <a:solidFill>
                     <a:srgbClr val="000000"/>
                   </a:solidFill>
@@ -4257,7 +4259,7 @@
             </a:ln>
             <a:extLst>
               <a:ext uri="{91240B29-F687-4f45-9708-019B960494DF}">
-                <a14:hiddenLine xmlns="" xmlns:a14="http://schemas.microsoft.com/office/drawing/2010/main" w="9525">
+                <a14:hiddenLine xmlns:a14="http://schemas.microsoft.com/office/drawing/2010/main" xmlns="" w="9525">
                   <a:solidFill>
                     <a:srgbClr val="000000"/>
                   </a:solidFill>
@@ -4397,7 +4399,7 @@
           <a:p>
             <a:fld id="{D4E90F3C-DA03-4783-9265-B1AEEE465DC7}" type="datetimeFigureOut">
               <a:rPr lang="fr-FR" smtClean="0"/>
-              <a:t>19/02/2024</a:t>
+              <a:t>20/02/2024</a:t>
             </a:fld>
             <a:endParaRPr lang="fr-FR"/>
           </a:p>
@@ -4664,7 +4666,7 @@
           <a:p>
             <a:fld id="{D4E90F3C-DA03-4783-9265-B1AEEE465DC7}" type="datetimeFigureOut">
               <a:rPr lang="fr-FR" smtClean="0"/>
-              <a:t>19/02/2024</a:t>
+              <a:t>20/02/2024</a:t>
             </a:fld>
             <a:endParaRPr lang="fr-FR"/>
           </a:p>
@@ -4860,7 +4862,7 @@
           <a:p>
             <a:fld id="{D4E90F3C-DA03-4783-9265-B1AEEE465DC7}" type="datetimeFigureOut">
               <a:rPr lang="fr-FR" smtClean="0"/>
-              <a:t>19/02/2024</a:t>
+              <a:t>20/02/2024</a:t>
             </a:fld>
             <a:endParaRPr lang="fr-FR"/>
           </a:p>
@@ -5123,7 +5125,7 @@
           <a:p>
             <a:fld id="{D4E90F3C-DA03-4783-9265-B1AEEE465DC7}" type="datetimeFigureOut">
               <a:rPr lang="fr-FR" smtClean="0"/>
-              <a:t>19/02/2024</a:t>
+              <a:t>20/02/2024</a:t>
             </a:fld>
             <a:endParaRPr lang="fr-FR"/>
           </a:p>
@@ -5557,7 +5559,7 @@
           <a:p>
             <a:fld id="{D4E90F3C-DA03-4783-9265-B1AEEE465DC7}" type="datetimeFigureOut">
               <a:rPr lang="fr-FR" smtClean="0"/>
-              <a:t>19/02/2024</a:t>
+              <a:t>20/02/2024</a:t>
             </a:fld>
             <a:endParaRPr lang="fr-FR"/>
           </a:p>
@@ -6103,7 +6105,7 @@
           <a:p>
             <a:fld id="{D4E90F3C-DA03-4783-9265-B1AEEE465DC7}" type="datetimeFigureOut">
               <a:rPr lang="fr-FR" smtClean="0"/>
-              <a:t>19/02/2024</a:t>
+              <a:t>20/02/2024</a:t>
             </a:fld>
             <a:endParaRPr lang="fr-FR"/>
           </a:p>
@@ -6823,7 +6825,7 @@
           <a:p>
             <a:fld id="{D4E90F3C-DA03-4783-9265-B1AEEE465DC7}" type="datetimeFigureOut">
               <a:rPr lang="fr-FR" smtClean="0"/>
-              <a:t>19/02/2024</a:t>
+              <a:t>20/02/2024</a:t>
             </a:fld>
             <a:endParaRPr lang="fr-FR"/>
           </a:p>
@@ -6993,7 +6995,7 @@
           <a:p>
             <a:fld id="{D4E90F3C-DA03-4783-9265-B1AEEE465DC7}" type="datetimeFigureOut">
               <a:rPr lang="fr-FR" smtClean="0"/>
-              <a:t>19/02/2024</a:t>
+              <a:t>20/02/2024</a:t>
             </a:fld>
             <a:endParaRPr lang="fr-FR"/>
           </a:p>
@@ -7173,7 +7175,7 @@
           <a:p>
             <a:fld id="{D4E90F3C-DA03-4783-9265-B1AEEE465DC7}" type="datetimeFigureOut">
               <a:rPr lang="fr-FR" smtClean="0"/>
-              <a:t>19/02/2024</a:t>
+              <a:t>20/02/2024</a:t>
             </a:fld>
             <a:endParaRPr lang="fr-FR"/>
           </a:p>
@@ -7343,7 +7345,7 @@
           <a:p>
             <a:fld id="{D4E90F3C-DA03-4783-9265-B1AEEE465DC7}" type="datetimeFigureOut">
               <a:rPr lang="fr-FR" smtClean="0"/>
-              <a:t>19/02/2024</a:t>
+              <a:t>20/02/2024</a:t>
             </a:fld>
             <a:endParaRPr lang="fr-FR"/>
           </a:p>
@@ -7593,7 +7595,7 @@
           <a:p>
             <a:fld id="{D4E90F3C-DA03-4783-9265-B1AEEE465DC7}" type="datetimeFigureOut">
               <a:rPr lang="fr-FR" smtClean="0"/>
-              <a:t>19/02/2024</a:t>
+              <a:t>20/02/2024</a:t>
             </a:fld>
             <a:endParaRPr lang="fr-FR"/>
           </a:p>
@@ -7825,7 +7827,7 @@
           <a:p>
             <a:fld id="{D4E90F3C-DA03-4783-9265-B1AEEE465DC7}" type="datetimeFigureOut">
               <a:rPr lang="fr-FR" smtClean="0"/>
-              <a:t>19/02/2024</a:t>
+              <a:t>20/02/2024</a:t>
             </a:fld>
             <a:endParaRPr lang="fr-FR"/>
           </a:p>
@@ -8206,7 +8208,7 @@
           <a:p>
             <a:fld id="{D4E90F3C-DA03-4783-9265-B1AEEE465DC7}" type="datetimeFigureOut">
               <a:rPr lang="fr-FR" smtClean="0"/>
-              <a:t>19/02/2024</a:t>
+              <a:t>20/02/2024</a:t>
             </a:fld>
             <a:endParaRPr lang="fr-FR"/>
           </a:p>
@@ -8324,7 +8326,7 @@
           <a:p>
             <a:fld id="{D4E90F3C-DA03-4783-9265-B1AEEE465DC7}" type="datetimeFigureOut">
               <a:rPr lang="fr-FR" smtClean="0"/>
-              <a:t>19/02/2024</a:t>
+              <a:t>20/02/2024</a:t>
             </a:fld>
             <a:endParaRPr lang="fr-FR"/>
           </a:p>
@@ -8419,7 +8421,7 @@
           <a:p>
             <a:fld id="{D4E90F3C-DA03-4783-9265-B1AEEE465DC7}" type="datetimeFigureOut">
               <a:rPr lang="fr-FR" smtClean="0"/>
-              <a:t>19/02/2024</a:t>
+              <a:t>20/02/2024</a:t>
             </a:fld>
             <a:endParaRPr lang="fr-FR"/>
           </a:p>
@@ -8668,7 +8670,7 @@
           <a:p>
             <a:fld id="{D4E90F3C-DA03-4783-9265-B1AEEE465DC7}" type="datetimeFigureOut">
               <a:rPr lang="fr-FR" smtClean="0"/>
-              <a:t>19/02/2024</a:t>
+              <a:t>20/02/2024</a:t>
             </a:fld>
             <a:endParaRPr lang="fr-FR"/>
           </a:p>
@@ -8948,7 +8950,7 @@
           <a:p>
             <a:fld id="{D4E90F3C-DA03-4783-9265-B1AEEE465DC7}" type="datetimeFigureOut">
               <a:rPr lang="fr-FR" smtClean="0"/>
-              <a:t>19/02/2024</a:t>
+              <a:t>20/02/2024</a:t>
             </a:fld>
             <a:endParaRPr lang="fr-FR"/>
           </a:p>
@@ -9064,7 +9066,7 @@
           <a:noFill/>
           <a:extLst>
             <a:ext uri="{909E8E84-426E-40dd-AFC4-6F175D3DCCD1}">
-              <a14:hiddenFill xmlns="" xmlns:a14="http://schemas.microsoft.com/office/drawing/2010/main">
+              <a14:hiddenFill xmlns:a14="http://schemas.microsoft.com/office/drawing/2010/main" xmlns="">
                 <a:solidFill>
                   <a:srgbClr val="FFFFFF"/>
                 </a:solidFill>
@@ -9138,7 +9140,7 @@
               </a:ln>
               <a:extLst>
                 <a:ext uri="{91240B29-F687-4f45-9708-019B960494DF}">
-                  <a14:hiddenLine xmlns="" xmlns:a14="http://schemas.microsoft.com/office/drawing/2010/main" w="9525">
+                  <a14:hiddenLine xmlns:a14="http://schemas.microsoft.com/office/drawing/2010/main" xmlns="" w="9525">
                     <a:solidFill>
                       <a:srgbClr val="000000"/>
                     </a:solidFill>
@@ -9228,7 +9230,7 @@
               </a:ln>
               <a:extLst>
                 <a:ext uri="{91240B29-F687-4f45-9708-019B960494DF}">
-                  <a14:hiddenLine xmlns="" xmlns:a14="http://schemas.microsoft.com/office/drawing/2010/main" w="9525">
+                  <a14:hiddenLine xmlns:a14="http://schemas.microsoft.com/office/drawing/2010/main" xmlns="" w="9525">
                     <a:solidFill>
                       <a:srgbClr val="000000"/>
                     </a:solidFill>
@@ -9318,7 +9320,7 @@
               </a:ln>
               <a:extLst>
                 <a:ext uri="{91240B29-F687-4f45-9708-019B960494DF}">
-                  <a14:hiddenLine xmlns="" xmlns:a14="http://schemas.microsoft.com/office/drawing/2010/main" w="9525">
+                  <a14:hiddenLine xmlns:a14="http://schemas.microsoft.com/office/drawing/2010/main" xmlns="" w="9525">
                     <a:solidFill>
                       <a:srgbClr val="000000"/>
                     </a:solidFill>
@@ -9380,7 +9382,7 @@
               </a:ln>
               <a:extLst>
                 <a:ext uri="{91240B29-F687-4f45-9708-019B960494DF}">
-                  <a14:hiddenLine xmlns="" xmlns:a14="http://schemas.microsoft.com/office/drawing/2010/main" w="9525">
+                  <a14:hiddenLine xmlns:a14="http://schemas.microsoft.com/office/drawing/2010/main" xmlns="" w="9525">
                     <a:solidFill>
                       <a:srgbClr val="000000"/>
                     </a:solidFill>
@@ -9470,7 +9472,7 @@
               </a:ln>
               <a:extLst>
                 <a:ext uri="{91240B29-F687-4f45-9708-019B960494DF}">
-                  <a14:hiddenLine xmlns="" xmlns:a14="http://schemas.microsoft.com/office/drawing/2010/main" w="9525">
+                  <a14:hiddenLine xmlns:a14="http://schemas.microsoft.com/office/drawing/2010/main" xmlns="" w="9525">
                     <a:solidFill>
                       <a:srgbClr val="000000"/>
                     </a:solidFill>
@@ -9532,7 +9534,7 @@
               </a:ln>
               <a:extLst>
                 <a:ext uri="{91240B29-F687-4f45-9708-019B960494DF}">
-                  <a14:hiddenLine xmlns="" xmlns:a14="http://schemas.microsoft.com/office/drawing/2010/main" w="9525">
+                  <a14:hiddenLine xmlns:a14="http://schemas.microsoft.com/office/drawing/2010/main" xmlns="" w="9525">
                     <a:solidFill>
                       <a:srgbClr val="000000"/>
                     </a:solidFill>
@@ -9594,7 +9596,7 @@
               </a:ln>
               <a:extLst>
                 <a:ext uri="{91240B29-F687-4f45-9708-019B960494DF}">
-                  <a14:hiddenLine xmlns="" xmlns:a14="http://schemas.microsoft.com/office/drawing/2010/main" w="9525">
+                  <a14:hiddenLine xmlns:a14="http://schemas.microsoft.com/office/drawing/2010/main" xmlns="" w="9525">
                     <a:solidFill>
                       <a:srgbClr val="000000"/>
                     </a:solidFill>
@@ -9684,7 +9686,7 @@
               </a:ln>
               <a:extLst>
                 <a:ext uri="{91240B29-F687-4f45-9708-019B960494DF}">
-                  <a14:hiddenLine xmlns="" xmlns:a14="http://schemas.microsoft.com/office/drawing/2010/main" w="9525">
+                  <a14:hiddenLine xmlns:a14="http://schemas.microsoft.com/office/drawing/2010/main" xmlns="" w="9525">
                     <a:solidFill>
                       <a:srgbClr val="000000"/>
                     </a:solidFill>
@@ -9774,7 +9776,7 @@
               </a:ln>
               <a:extLst>
                 <a:ext uri="{91240B29-F687-4f45-9708-019B960494DF}">
-                  <a14:hiddenLine xmlns="" xmlns:a14="http://schemas.microsoft.com/office/drawing/2010/main" w="9525">
+                  <a14:hiddenLine xmlns:a14="http://schemas.microsoft.com/office/drawing/2010/main" xmlns="" w="9525">
                     <a:solidFill>
                       <a:srgbClr val="000000"/>
                     </a:solidFill>
@@ -9836,7 +9838,7 @@
               </a:ln>
               <a:extLst>
                 <a:ext uri="{91240B29-F687-4f45-9708-019B960494DF}">
-                  <a14:hiddenLine xmlns="" xmlns:a14="http://schemas.microsoft.com/office/drawing/2010/main" w="9525">
+                  <a14:hiddenLine xmlns:a14="http://schemas.microsoft.com/office/drawing/2010/main" xmlns="" w="9525">
                     <a:solidFill>
                       <a:srgbClr val="000000"/>
                     </a:solidFill>
@@ -9946,7 +9948,7 @@
               </a:ln>
               <a:extLst>
                 <a:ext uri="{91240B29-F687-4f45-9708-019B960494DF}">
-                  <a14:hiddenLine xmlns="" xmlns:a14="http://schemas.microsoft.com/office/drawing/2010/main" w="9525">
+                  <a14:hiddenLine xmlns:a14="http://schemas.microsoft.com/office/drawing/2010/main" xmlns="" w="9525">
                     <a:solidFill>
                       <a:srgbClr val="000000"/>
                     </a:solidFill>
@@ -10030,7 +10032,7 @@
               </a:ln>
               <a:extLst>
                 <a:ext uri="{91240B29-F687-4f45-9708-019B960494DF}">
-                  <a14:hiddenLine xmlns="" xmlns:a14="http://schemas.microsoft.com/office/drawing/2010/main" w="9525">
+                  <a14:hiddenLine xmlns:a14="http://schemas.microsoft.com/office/drawing/2010/main" xmlns="" w="9525">
                     <a:solidFill>
                       <a:srgbClr val="000000"/>
                     </a:solidFill>
@@ -10092,7 +10094,7 @@
               </a:ln>
               <a:extLst>
                 <a:ext uri="{91240B29-F687-4f45-9708-019B960494DF}">
-                  <a14:hiddenLine xmlns="" xmlns:a14="http://schemas.microsoft.com/office/drawing/2010/main" w="9525">
+                  <a14:hiddenLine xmlns:a14="http://schemas.microsoft.com/office/drawing/2010/main" xmlns="" w="9525">
                     <a:solidFill>
                       <a:srgbClr val="000000"/>
                     </a:solidFill>
@@ -10154,7 +10156,7 @@
               </a:ln>
               <a:extLst>
                 <a:ext uri="{91240B29-F687-4f45-9708-019B960494DF}">
-                  <a14:hiddenLine xmlns="" xmlns:a14="http://schemas.microsoft.com/office/drawing/2010/main" w="9525">
+                  <a14:hiddenLine xmlns:a14="http://schemas.microsoft.com/office/drawing/2010/main" xmlns="" w="9525">
                     <a:solidFill>
                       <a:srgbClr val="000000"/>
                     </a:solidFill>
@@ -10244,7 +10246,7 @@
               </a:ln>
               <a:extLst>
                 <a:ext uri="{91240B29-F687-4f45-9708-019B960494DF}">
-                  <a14:hiddenLine xmlns="" xmlns:a14="http://schemas.microsoft.com/office/drawing/2010/main" w="9525">
+                  <a14:hiddenLine xmlns:a14="http://schemas.microsoft.com/office/drawing/2010/main" xmlns="" w="9525">
                     <a:solidFill>
                       <a:srgbClr val="000000"/>
                     </a:solidFill>
@@ -10278,7 +10280,7 @@
               </a:ln>
               <a:extLst>
                 <a:ext uri="{91240B29-F687-4f45-9708-019B960494DF}">
-                  <a14:hiddenLine xmlns="" xmlns:a14="http://schemas.microsoft.com/office/drawing/2010/main" w="9525">
+                  <a14:hiddenLine xmlns:a14="http://schemas.microsoft.com/office/drawing/2010/main" xmlns="" w="9525">
                     <a:solidFill>
                       <a:srgbClr val="000000"/>
                     </a:solidFill>
@@ -10343,7 +10345,7 @@
               </a:ln>
               <a:extLst>
                 <a:ext uri="{91240B29-F687-4f45-9708-019B960494DF}">
-                  <a14:hiddenLine xmlns="" xmlns:a14="http://schemas.microsoft.com/office/drawing/2010/main" w="9525">
+                  <a14:hiddenLine xmlns:a14="http://schemas.microsoft.com/office/drawing/2010/main" xmlns="" w="9525">
                     <a:solidFill>
                       <a:srgbClr val="000000"/>
                     </a:solidFill>
@@ -10433,7 +10435,7 @@
               </a:ln>
               <a:extLst>
                 <a:ext uri="{91240B29-F687-4f45-9708-019B960494DF}">
-                  <a14:hiddenLine xmlns="" xmlns:a14="http://schemas.microsoft.com/office/drawing/2010/main" w="9525">
+                  <a14:hiddenLine xmlns:a14="http://schemas.microsoft.com/office/drawing/2010/main" xmlns="" w="9525">
                     <a:solidFill>
                       <a:srgbClr val="000000"/>
                     </a:solidFill>
@@ -10495,7 +10497,7 @@
               </a:ln>
               <a:extLst>
                 <a:ext uri="{91240B29-F687-4f45-9708-019B960494DF}">
-                  <a14:hiddenLine xmlns="" xmlns:a14="http://schemas.microsoft.com/office/drawing/2010/main" w="9525">
+                  <a14:hiddenLine xmlns:a14="http://schemas.microsoft.com/office/drawing/2010/main" xmlns="" w="9525">
                     <a:solidFill>
                       <a:srgbClr val="000000"/>
                     </a:solidFill>
@@ -10585,7 +10587,7 @@
               </a:ln>
               <a:extLst>
                 <a:ext uri="{91240B29-F687-4f45-9708-019B960494DF}">
-                  <a14:hiddenLine xmlns="" xmlns:a14="http://schemas.microsoft.com/office/drawing/2010/main" w="9525">
+                  <a14:hiddenLine xmlns:a14="http://schemas.microsoft.com/office/drawing/2010/main" xmlns="" w="9525">
                     <a:solidFill>
                       <a:srgbClr val="000000"/>
                     </a:solidFill>
@@ -10650,7 +10652,7 @@
               </a:ln>
               <a:extLst>
                 <a:ext uri="{91240B29-F687-4f45-9708-019B960494DF}">
-                  <a14:hiddenLine xmlns="" xmlns:a14="http://schemas.microsoft.com/office/drawing/2010/main" w="9525">
+                  <a14:hiddenLine xmlns:a14="http://schemas.microsoft.com/office/drawing/2010/main" xmlns="" w="9525">
                     <a:solidFill>
                       <a:srgbClr val="000000"/>
                     </a:solidFill>
@@ -10712,7 +10714,7 @@
               </a:ln>
               <a:extLst>
                 <a:ext uri="{91240B29-F687-4f45-9708-019B960494DF}">
-                  <a14:hiddenLine xmlns="" xmlns:a14="http://schemas.microsoft.com/office/drawing/2010/main" w="9525">
+                  <a14:hiddenLine xmlns:a14="http://schemas.microsoft.com/office/drawing/2010/main" xmlns="" w="9525">
                     <a:solidFill>
                       <a:srgbClr val="000000"/>
                     </a:solidFill>
@@ -10802,7 +10804,7 @@
               </a:ln>
               <a:extLst>
                 <a:ext uri="{91240B29-F687-4f45-9708-019B960494DF}">
-                  <a14:hiddenLine xmlns="" xmlns:a14="http://schemas.microsoft.com/office/drawing/2010/main" w="9525">
+                  <a14:hiddenLine xmlns:a14="http://schemas.microsoft.com/office/drawing/2010/main" xmlns="" w="9525">
                     <a:solidFill>
                       <a:srgbClr val="000000"/>
                     </a:solidFill>
@@ -10892,7 +10894,7 @@
               </a:ln>
               <a:extLst>
                 <a:ext uri="{91240B29-F687-4f45-9708-019B960494DF}">
-                  <a14:hiddenLine xmlns="" xmlns:a14="http://schemas.microsoft.com/office/drawing/2010/main" w="9525">
+                  <a14:hiddenLine xmlns:a14="http://schemas.microsoft.com/office/drawing/2010/main" xmlns="" w="9525">
                     <a:solidFill>
                       <a:srgbClr val="000000"/>
                     </a:solidFill>
@@ -10957,7 +10959,7 @@
               </a:ln>
               <a:extLst>
                 <a:ext uri="{91240B29-F687-4f45-9708-019B960494DF}">
-                  <a14:hiddenLine xmlns="" xmlns:a14="http://schemas.microsoft.com/office/drawing/2010/main" w="9525">
+                  <a14:hiddenLine xmlns:a14="http://schemas.microsoft.com/office/drawing/2010/main" xmlns="" w="9525">
                     <a:solidFill>
                       <a:srgbClr val="000000"/>
                     </a:solidFill>
@@ -11077,7 +11079,7 @@
               </a:ln>
               <a:extLst>
                 <a:ext uri="{91240B29-F687-4f45-9708-019B960494DF}">
-                  <a14:hiddenLine xmlns="" xmlns:a14="http://schemas.microsoft.com/office/drawing/2010/main" w="9525">
+                  <a14:hiddenLine xmlns:a14="http://schemas.microsoft.com/office/drawing/2010/main" xmlns="" w="9525">
                     <a:solidFill>
                       <a:srgbClr val="000000"/>
                     </a:solidFill>
@@ -11175,7 +11177,7 @@
               </a:ln>
               <a:extLst>
                 <a:ext uri="{91240B29-F687-4f45-9708-019B960494DF}">
-                  <a14:hiddenLine xmlns="" xmlns:a14="http://schemas.microsoft.com/office/drawing/2010/main" w="9525">
+                  <a14:hiddenLine xmlns:a14="http://schemas.microsoft.com/office/drawing/2010/main" xmlns="" w="9525">
                     <a:solidFill>
                       <a:srgbClr val="000000"/>
                     </a:solidFill>
@@ -11290,7 +11292,7 @@
               </a:ln>
               <a:extLst>
                 <a:ext uri="{91240B29-F687-4f45-9708-019B960494DF}">
-                  <a14:hiddenLine xmlns="" xmlns:a14="http://schemas.microsoft.com/office/drawing/2010/main" w="9525">
+                  <a14:hiddenLine xmlns:a14="http://schemas.microsoft.com/office/drawing/2010/main" xmlns="" w="9525">
                     <a:solidFill>
                       <a:srgbClr val="000000"/>
                     </a:solidFill>
@@ -11380,7 +11382,7 @@
               </a:ln>
               <a:extLst>
                 <a:ext uri="{91240B29-F687-4f45-9708-019B960494DF}">
-                  <a14:hiddenLine xmlns="" xmlns:a14="http://schemas.microsoft.com/office/drawing/2010/main" w="9525">
+                  <a14:hiddenLine xmlns:a14="http://schemas.microsoft.com/office/drawing/2010/main" xmlns="" w="9525">
                     <a:solidFill>
                       <a:srgbClr val="000000"/>
                     </a:solidFill>
@@ -11445,7 +11447,7 @@
               </a:ln>
               <a:extLst>
                 <a:ext uri="{91240B29-F687-4f45-9708-019B960494DF}">
-                  <a14:hiddenLine xmlns="" xmlns:a14="http://schemas.microsoft.com/office/drawing/2010/main" w="9525">
+                  <a14:hiddenLine xmlns:a14="http://schemas.microsoft.com/office/drawing/2010/main" xmlns="" w="9525">
                     <a:solidFill>
                       <a:srgbClr val="000000"/>
                     </a:solidFill>
@@ -11535,7 +11537,7 @@
               </a:ln>
               <a:extLst>
                 <a:ext uri="{91240B29-F687-4f45-9708-019B960494DF}">
-                  <a14:hiddenLine xmlns="" xmlns:a14="http://schemas.microsoft.com/office/drawing/2010/main" w="9525">
+                  <a14:hiddenLine xmlns:a14="http://schemas.microsoft.com/office/drawing/2010/main" xmlns="" w="9525">
                     <a:solidFill>
                       <a:srgbClr val="000000"/>
                     </a:solidFill>
@@ -11603,7 +11605,7 @@
               </a:ln>
               <a:extLst>
                 <a:ext uri="{91240B29-F687-4f45-9708-019B960494DF}">
-                  <a14:hiddenLine xmlns="" xmlns:a14="http://schemas.microsoft.com/office/drawing/2010/main" w="9525">
+                  <a14:hiddenLine xmlns:a14="http://schemas.microsoft.com/office/drawing/2010/main" xmlns="" w="9525">
                     <a:solidFill>
                       <a:srgbClr val="000000"/>
                     </a:solidFill>
@@ -11693,7 +11695,7 @@
               </a:ln>
               <a:extLst>
                 <a:ext uri="{91240B29-F687-4f45-9708-019B960494DF}">
-                  <a14:hiddenLine xmlns="" xmlns:a14="http://schemas.microsoft.com/office/drawing/2010/main" w="9525">
+                  <a14:hiddenLine xmlns:a14="http://schemas.microsoft.com/office/drawing/2010/main" xmlns="" w="9525">
                     <a:solidFill>
                       <a:srgbClr val="000000"/>
                     </a:solidFill>
@@ -11761,7 +11763,7 @@
               </a:ln>
               <a:extLst>
                 <a:ext uri="{91240B29-F687-4f45-9708-019B960494DF}">
-                  <a14:hiddenLine xmlns="" xmlns:a14="http://schemas.microsoft.com/office/drawing/2010/main" w="9525">
+                  <a14:hiddenLine xmlns:a14="http://schemas.microsoft.com/office/drawing/2010/main" xmlns="" w="9525">
                     <a:solidFill>
                       <a:srgbClr val="000000"/>
                     </a:solidFill>
@@ -11851,7 +11853,7 @@
               </a:ln>
               <a:extLst>
                 <a:ext uri="{91240B29-F687-4f45-9708-019B960494DF}">
-                  <a14:hiddenLine xmlns="" xmlns:a14="http://schemas.microsoft.com/office/drawing/2010/main" w="9525">
+                  <a14:hiddenLine xmlns:a14="http://schemas.microsoft.com/office/drawing/2010/main" xmlns="" w="9525">
                     <a:solidFill>
                       <a:srgbClr val="000000"/>
                     </a:solidFill>
@@ -11885,7 +11887,7 @@
               </a:ln>
               <a:extLst>
                 <a:ext uri="{91240B29-F687-4f45-9708-019B960494DF}">
-                  <a14:hiddenLine xmlns="" xmlns:a14="http://schemas.microsoft.com/office/drawing/2010/main" w="9525">
+                  <a14:hiddenLine xmlns:a14="http://schemas.microsoft.com/office/drawing/2010/main" xmlns="" w="9525">
                     <a:solidFill>
                       <a:srgbClr val="000000"/>
                     </a:solidFill>
@@ -12025,7 +12027,7 @@
           <a:p>
             <a:fld id="{D4E90F3C-DA03-4783-9265-B1AEEE465DC7}" type="datetimeFigureOut">
               <a:rPr lang="fr-FR" smtClean="0"/>
-              <a:t>19/02/2024</a:t>
+              <a:t>20/02/2024</a:t>
             </a:fld>
             <a:endParaRPr lang="fr-FR"/>
           </a:p>
@@ -12501,10 +12503,9 @@
           </a:p>
           <a:p>
             <a:r>
-              <a:rPr lang="fr-FR" dirty="0" err="1"/>
-              <a:t>M.Dida-Juhel</a:t>
+              <a:rPr lang="fr-FR" dirty="0"/>
+              <a:t>M. Dida-Juhel</a:t>
             </a:r>
-            <a:endParaRPr lang="fr-FR" dirty="0"/>
           </a:p>
         </p:txBody>
       </p:sp>
@@ -12555,6 +12556,210 @@
           <p:cNvPr id="2" name="Titre 1">
             <a:extLst>
               <a:ext uri="{FF2B5EF4-FFF2-40B4-BE49-F238E27FC236}">
+                <a16:creationId xmlns:a16="http://schemas.microsoft.com/office/drawing/2014/main" id="{0ED1234C-193A-0A56-5071-9FB693A4D713}"/>
+              </a:ext>
+            </a:extLst>
+          </p:cNvPr>
+          <p:cNvSpPr>
+            <a:spLocks noGrp="1"/>
+          </p:cNvSpPr>
+          <p:nvPr>
+            <p:ph type="title"/>
+          </p:nvPr>
+        </p:nvSpPr>
+        <p:spPr/>
+        <p:txBody>
+          <a:bodyPr/>
+          <a:lstStyle/>
+          <a:p>
+            <a:endParaRPr lang="fr-FR"/>
+          </a:p>
+        </p:txBody>
+      </p:sp>
+      <p:pic>
+        <p:nvPicPr>
+          <p:cNvPr id="5" name="Espace réservé du contenu 4" descr="Une image contenant texte, capture d’écran, Police, logo&#10;&#10;Description générée automatiquement">
+            <a:extLst>
+              <a:ext uri="{FF2B5EF4-FFF2-40B4-BE49-F238E27FC236}">
+                <a16:creationId xmlns:a16="http://schemas.microsoft.com/office/drawing/2014/main" id="{74531E63-A30E-63B8-393F-45963BF68465}"/>
+              </a:ext>
+            </a:extLst>
+          </p:cNvPr>
+          <p:cNvPicPr>
+            <a:picLocks noGrp="1" noChangeAspect="1"/>
+          </p:cNvPicPr>
+          <p:nvPr>
+            <p:ph idx="1"/>
+          </p:nvPr>
+        </p:nvPicPr>
+        <p:blipFill>
+          <a:blip r:embed="rId2">
+            <a:extLst>
+              <a:ext uri="{28A0092B-C50C-407E-A947-70E740481C1C}">
+                <a14:useLocalDpi xmlns:a14="http://schemas.microsoft.com/office/drawing/2010/main" val="0"/>
+              </a:ext>
+            </a:extLst>
+          </a:blip>
+          <a:stretch>
+            <a:fillRect/>
+          </a:stretch>
+        </p:blipFill>
+        <p:spPr>
+          <a:xfrm>
+            <a:off x="823672" y="1866454"/>
+            <a:ext cx="10541479" cy="3390843"/>
+          </a:xfrm>
+        </p:spPr>
+      </p:pic>
+    </p:spTree>
+    <p:extLst>
+      <p:ext uri="{BB962C8B-B14F-4D97-AF65-F5344CB8AC3E}">
+        <p14:creationId xmlns:p14="http://schemas.microsoft.com/office/powerpoint/2010/main" val="2880665610"/>
+      </p:ext>
+    </p:extLst>
+  </p:cSld>
+  <p:clrMapOvr>
+    <a:masterClrMapping/>
+  </p:clrMapOvr>
+  <mc:AlternateContent xmlns:mc="http://schemas.openxmlformats.org/markup-compatibility/2006">
+    <mc:Choice xmlns:p14="http://schemas.microsoft.com/office/powerpoint/2010/main" Requires="p14">
+      <p:transition spd="slow" p14:dur="4000">
+        <p14:vortex dir="r"/>
+      </p:transition>
+    </mc:Choice>
+    <mc:Fallback>
+      <p:transition spd="slow">
+        <p:fade/>
+      </p:transition>
+    </mc:Fallback>
+  </mc:AlternateContent>
+</p:sld>
+</file>
+
+<file path=ppt/slides/slide11.xml><?xml version="1.0" encoding="utf-8"?>
+<p:sld xmlns:a="http://schemas.openxmlformats.org/drawingml/2006/main" xmlns:r="http://schemas.openxmlformats.org/officeDocument/2006/relationships" xmlns:p="http://schemas.openxmlformats.org/presentationml/2006/main">
+  <p:cSld>
+    <p:spTree>
+      <p:nvGrpSpPr>
+        <p:cNvPr id="1" name=""/>
+        <p:cNvGrpSpPr/>
+        <p:nvPr/>
+      </p:nvGrpSpPr>
+      <p:grpSpPr>
+        <a:xfrm>
+          <a:off x="0" y="0"/>
+          <a:ext cx="0" cy="0"/>
+          <a:chOff x="0" y="0"/>
+          <a:chExt cx="0" cy="0"/>
+        </a:xfrm>
+      </p:grpSpPr>
+      <p:sp>
+        <p:nvSpPr>
+          <p:cNvPr id="2" name="Titre 1">
+            <a:extLst>
+              <a:ext uri="{FF2B5EF4-FFF2-40B4-BE49-F238E27FC236}">
+                <a16:creationId xmlns:a16="http://schemas.microsoft.com/office/drawing/2014/main" id="{B30286B4-0479-EF65-0381-829710FD4C57}"/>
+              </a:ext>
+            </a:extLst>
+          </p:cNvPr>
+          <p:cNvSpPr>
+            <a:spLocks noGrp="1"/>
+          </p:cNvSpPr>
+          <p:nvPr>
+            <p:ph type="title"/>
+          </p:nvPr>
+        </p:nvSpPr>
+        <p:spPr/>
+        <p:txBody>
+          <a:bodyPr/>
+          <a:lstStyle/>
+          <a:p>
+            <a:endParaRPr lang="fr-FR"/>
+          </a:p>
+        </p:txBody>
+      </p:sp>
+      <p:pic>
+        <p:nvPicPr>
+          <p:cNvPr id="5" name="Espace réservé du contenu 4" descr="Une image contenant objets en métal, verrouiller, Poignée de porte, Quincaillerie&#10;&#10;Description générée automatiquement">
+            <a:extLst>
+              <a:ext uri="{FF2B5EF4-FFF2-40B4-BE49-F238E27FC236}">
+                <a16:creationId xmlns:a16="http://schemas.microsoft.com/office/drawing/2014/main" id="{575FFB7C-980A-FE97-2A0B-901996A8BC5C}"/>
+              </a:ext>
+            </a:extLst>
+          </p:cNvPr>
+          <p:cNvPicPr>
+            <a:picLocks noGrp="1" noChangeAspect="1"/>
+          </p:cNvPicPr>
+          <p:nvPr>
+            <p:ph idx="1"/>
+          </p:nvPr>
+        </p:nvPicPr>
+        <p:blipFill>
+          <a:blip r:embed="rId2">
+            <a:extLst>
+              <a:ext uri="{28A0092B-C50C-407E-A947-70E740481C1C}">
+                <a14:useLocalDpi xmlns:a14="http://schemas.microsoft.com/office/drawing/2010/main" val="0"/>
+              </a:ext>
+            </a:extLst>
+          </a:blip>
+          <a:stretch>
+            <a:fillRect/>
+          </a:stretch>
+        </p:blipFill>
+        <p:spPr>
+          <a:xfrm>
+            <a:off x="2277374" y="0"/>
+            <a:ext cx="6788988" cy="6788988"/>
+          </a:xfrm>
+        </p:spPr>
+      </p:pic>
+    </p:spTree>
+    <p:extLst>
+      <p:ext uri="{BB962C8B-B14F-4D97-AF65-F5344CB8AC3E}">
+        <p14:creationId xmlns:p14="http://schemas.microsoft.com/office/powerpoint/2010/main" val="2547342832"/>
+      </p:ext>
+    </p:extLst>
+  </p:cSld>
+  <p:clrMapOvr>
+    <a:masterClrMapping/>
+  </p:clrMapOvr>
+  <mc:AlternateContent xmlns:mc="http://schemas.openxmlformats.org/markup-compatibility/2006">
+    <mc:Choice xmlns:p14="http://schemas.microsoft.com/office/powerpoint/2010/main" Requires="p14">
+      <p:transition spd="slow" p14:dur="4000">
+        <p14:vortex dir="r"/>
+      </p:transition>
+    </mc:Choice>
+    <mc:Fallback>
+      <p:transition spd="slow">
+        <p:fade/>
+      </p:transition>
+    </mc:Fallback>
+  </mc:AlternateContent>
+</p:sld>
+</file>
+
+<file path=ppt/slides/slide12.xml><?xml version="1.0" encoding="utf-8"?>
+<p:sld xmlns:a="http://schemas.openxmlformats.org/drawingml/2006/main" xmlns:r="http://schemas.openxmlformats.org/officeDocument/2006/relationships" xmlns:p="http://schemas.openxmlformats.org/presentationml/2006/main">
+  <p:cSld>
+    <p:spTree>
+      <p:nvGrpSpPr>
+        <p:cNvPr id="1" name=""/>
+        <p:cNvGrpSpPr/>
+        <p:nvPr/>
+      </p:nvGrpSpPr>
+      <p:grpSpPr>
+        <a:xfrm>
+          <a:off x="0" y="0"/>
+          <a:ext cx="0" cy="0"/>
+          <a:chOff x="0" y="0"/>
+          <a:chExt cx="0" cy="0"/>
+        </a:xfrm>
+      </p:grpSpPr>
+      <p:sp>
+        <p:nvSpPr>
+          <p:cNvPr id="2" name="Titre 1">
+            <a:extLst>
+              <a:ext uri="{FF2B5EF4-FFF2-40B4-BE49-F238E27FC236}">
                 <a16:creationId xmlns:a16="http://schemas.microsoft.com/office/drawing/2014/main" id="{F6991B39-A8A0-C2CB-E062-58BC9204CB9B}"/>
               </a:ext>
             </a:extLst>
@@ -12578,31 +12783,41 @@
           </a:p>
         </p:txBody>
       </p:sp>
-      <p:sp>
-        <p:nvSpPr>
-          <p:cNvPr id="3" name="Espace réservé du contenu 2">
+      <p:pic>
+        <p:nvPicPr>
+          <p:cNvPr id="5" name="Espace réservé du contenu 4">
             <a:extLst>
               <a:ext uri="{FF2B5EF4-FFF2-40B4-BE49-F238E27FC236}">
-                <a16:creationId xmlns:a16="http://schemas.microsoft.com/office/drawing/2014/main" id="{EC037D9C-410D-8F09-D2D8-842EAF7EFE10}"/>
+                <a16:creationId xmlns:a16="http://schemas.microsoft.com/office/drawing/2014/main" id="{59BD3A0D-FA69-AB9A-ECB3-3358E56E6E76}"/>
               </a:ext>
             </a:extLst>
           </p:cNvPr>
-          <p:cNvSpPr>
-            <a:spLocks noGrp="1"/>
-          </p:cNvSpPr>
+          <p:cNvPicPr>
+            <a:picLocks noGrp="1" noChangeAspect="1"/>
+          </p:cNvPicPr>
           <p:nvPr>
             <p:ph idx="1"/>
           </p:nvPr>
-        </p:nvSpPr>
-        <p:spPr/>
-        <p:txBody>
-          <a:bodyPr/>
-          <a:lstStyle/>
-          <a:p>
-            <a:endParaRPr lang="fr-FR"/>
-          </a:p>
-        </p:txBody>
-      </p:sp>
+        </p:nvPicPr>
+        <p:blipFill>
+          <a:blip r:embed="rId2">
+            <a:extLst>
+              <a:ext uri="{28A0092B-C50C-407E-A947-70E740481C1C}">
+                <a14:useLocalDpi xmlns:a14="http://schemas.microsoft.com/office/drawing/2010/main" val="0"/>
+              </a:ext>
+            </a:extLst>
+          </a:blip>
+          <a:stretch>
+            <a:fillRect/>
+          </a:stretch>
+        </p:blipFill>
+        <p:spPr>
+          <a:xfrm>
+            <a:off x="239759" y="3374174"/>
+            <a:ext cx="11712482" cy="754845"/>
+          </a:xfrm>
+        </p:spPr>
+      </p:pic>
     </p:spTree>
     <p:extLst>
       <p:ext uri="{BB962C8B-B14F-4D97-AF65-F5344CB8AC3E}">
